--- a/03_lectures/Corpus linguistics_2023_12_15.pptx
+++ b/03_lectures/Corpus linguistics_2023_12_15.pptx
@@ -30,7 +30,14 @@
     <p:sldId id="273" r:id="rId24"/>
     <p:sldId id="280" r:id="rId25"/>
     <p:sldId id="281" r:id="rId26"/>
-    <p:sldId id="262" r:id="rId27"/>
+    <p:sldId id="284" r:id="rId27"/>
+    <p:sldId id="285" r:id="rId28"/>
+    <p:sldId id="286" r:id="rId29"/>
+    <p:sldId id="287" r:id="rId30"/>
+    <p:sldId id="282" r:id="rId31"/>
+    <p:sldId id="262" r:id="rId32"/>
+    <p:sldId id="288" r:id="rId33"/>
+    <p:sldId id="289" r:id="rId34"/>
   </p:sldIdLst>
   <p:sldSz cx="12192000" cy="6858000"/>
   <p:notesSz cx="6858000" cy="9144000"/>
@@ -179,17 +186,28 @@
             <p14:sldId id="273"/>
             <p14:sldId id="280"/>
             <p14:sldId id="281"/>
+            <p14:sldId id="284"/>
+            <p14:sldId id="285"/>
+            <p14:sldId id="286"/>
+            <p14:sldId id="287"/>
+            <p14:sldId id="282"/>
           </p14:sldIdLst>
         </p14:section>
         <p14:section name="sapply, lapply" id="{A3EA3183-AF2F-489D-A973-DDDEE275A549}">
           <p14:sldIdLst>
             <p14:sldId id="262"/>
+            <p14:sldId id="288"/>
           </p14:sldIdLst>
         </p14:section>
         <p14:section name="for-loops" id="{2BB2B4C7-5DB9-499C-B506-D1F291770167}">
-          <p14:sldIdLst/>
+          <p14:sldIdLst>
+            <p14:sldId id="289"/>
+          </p14:sldIdLst>
         </p14:section>
       </p14:sectionLst>
+    </p:ext>
+    <p:ext uri="{EFAFB233-063F-42B5-8137-9DF3F51BA10A}">
+      <p15:sldGuideLst xmlns:p15="http://schemas.microsoft.com/office/powerpoint/2012/main"/>
     </p:ext>
   </p:extLst>
 </p:presentation>
@@ -342,9 +360,9 @@
           <a:p>
             <a:fld id="{FDD4ABEA-6F55-43C6-BABD-C9147FCBC304}" type="datetimeFigureOut">
               <a:rPr lang="en-US" smtClean="0"/>
-              <a:t>12/12/2023</a:t>
+              <a:t>12/14/2023</a:t>
             </a:fld>
-            <a:endParaRPr lang="en-US"/>
+            <a:endParaRPr lang="en-US" dirty="0"/>
           </a:p>
         </p:txBody>
       </p:sp>
@@ -369,7 +387,7 @@
           <a:bodyPr/>
           <a:lstStyle/>
           <a:p>
-            <a:endParaRPr lang="en-US"/>
+            <a:endParaRPr lang="en-US" dirty="0"/>
           </a:p>
         </p:txBody>
       </p:sp>
@@ -398,7 +416,7 @@
               <a:rPr lang="en-US" smtClean="0"/>
               <a:t>‹#›</a:t>
             </a:fld>
-            <a:endParaRPr lang="en-US"/>
+            <a:endParaRPr lang="en-US" dirty="0"/>
           </a:p>
         </p:txBody>
       </p:sp>
@@ -540,9 +558,9 @@
           <a:p>
             <a:fld id="{FDD4ABEA-6F55-43C6-BABD-C9147FCBC304}" type="datetimeFigureOut">
               <a:rPr lang="en-US" smtClean="0"/>
-              <a:t>12/12/2023</a:t>
+              <a:t>12/14/2023</a:t>
             </a:fld>
-            <a:endParaRPr lang="en-US"/>
+            <a:endParaRPr lang="en-US" dirty="0"/>
           </a:p>
         </p:txBody>
       </p:sp>
@@ -567,7 +585,7 @@
           <a:bodyPr/>
           <a:lstStyle/>
           <a:p>
-            <a:endParaRPr lang="en-US"/>
+            <a:endParaRPr lang="en-US" dirty="0"/>
           </a:p>
         </p:txBody>
       </p:sp>
@@ -596,7 +614,7 @@
               <a:rPr lang="en-US" smtClean="0"/>
               <a:t>‹#›</a:t>
             </a:fld>
-            <a:endParaRPr lang="en-US"/>
+            <a:endParaRPr lang="en-US" dirty="0"/>
           </a:p>
         </p:txBody>
       </p:sp>
@@ -748,9 +766,9 @@
           <a:p>
             <a:fld id="{FDD4ABEA-6F55-43C6-BABD-C9147FCBC304}" type="datetimeFigureOut">
               <a:rPr lang="en-US" smtClean="0"/>
-              <a:t>12/12/2023</a:t>
+              <a:t>12/14/2023</a:t>
             </a:fld>
-            <a:endParaRPr lang="en-US"/>
+            <a:endParaRPr lang="en-US" dirty="0"/>
           </a:p>
         </p:txBody>
       </p:sp>
@@ -775,7 +793,7 @@
           <a:bodyPr/>
           <a:lstStyle/>
           <a:p>
-            <a:endParaRPr lang="en-US"/>
+            <a:endParaRPr lang="en-US" dirty="0"/>
           </a:p>
         </p:txBody>
       </p:sp>
@@ -804,7 +822,7 @@
               <a:rPr lang="en-US" smtClean="0"/>
               <a:t>‹#›</a:t>
             </a:fld>
-            <a:endParaRPr lang="en-US"/>
+            <a:endParaRPr lang="en-US" dirty="0"/>
           </a:p>
         </p:txBody>
       </p:sp>
@@ -946,9 +964,9 @@
           <a:p>
             <a:fld id="{FDD4ABEA-6F55-43C6-BABD-C9147FCBC304}" type="datetimeFigureOut">
               <a:rPr lang="en-US" smtClean="0"/>
-              <a:t>12/12/2023</a:t>
+              <a:t>12/14/2023</a:t>
             </a:fld>
-            <a:endParaRPr lang="en-US"/>
+            <a:endParaRPr lang="en-US" dirty="0"/>
           </a:p>
         </p:txBody>
       </p:sp>
@@ -973,7 +991,7 @@
           <a:bodyPr/>
           <a:lstStyle/>
           <a:p>
-            <a:endParaRPr lang="en-US"/>
+            <a:endParaRPr lang="en-US" dirty="0"/>
           </a:p>
         </p:txBody>
       </p:sp>
@@ -1002,7 +1020,7 @@
               <a:rPr lang="en-US" smtClean="0"/>
               <a:t>‹#›</a:t>
             </a:fld>
-            <a:endParaRPr lang="en-US"/>
+            <a:endParaRPr lang="en-US" dirty="0"/>
           </a:p>
         </p:txBody>
       </p:sp>
@@ -1221,9 +1239,9 @@
           <a:p>
             <a:fld id="{FDD4ABEA-6F55-43C6-BABD-C9147FCBC304}" type="datetimeFigureOut">
               <a:rPr lang="en-US" smtClean="0"/>
-              <a:t>12/12/2023</a:t>
+              <a:t>12/14/2023</a:t>
             </a:fld>
-            <a:endParaRPr lang="en-US"/>
+            <a:endParaRPr lang="en-US" dirty="0"/>
           </a:p>
         </p:txBody>
       </p:sp>
@@ -1248,7 +1266,7 @@
           <a:bodyPr/>
           <a:lstStyle/>
           <a:p>
-            <a:endParaRPr lang="en-US"/>
+            <a:endParaRPr lang="en-US" dirty="0"/>
           </a:p>
         </p:txBody>
       </p:sp>
@@ -1277,7 +1295,7 @@
               <a:rPr lang="en-US" smtClean="0"/>
               <a:t>‹#›</a:t>
             </a:fld>
-            <a:endParaRPr lang="en-US"/>
+            <a:endParaRPr lang="en-US" dirty="0"/>
           </a:p>
         </p:txBody>
       </p:sp>
@@ -1486,9 +1504,9 @@
           <a:p>
             <a:fld id="{FDD4ABEA-6F55-43C6-BABD-C9147FCBC304}" type="datetimeFigureOut">
               <a:rPr lang="en-US" smtClean="0"/>
-              <a:t>12/12/2023</a:t>
+              <a:t>12/14/2023</a:t>
             </a:fld>
-            <a:endParaRPr lang="en-US"/>
+            <a:endParaRPr lang="en-US" dirty="0"/>
           </a:p>
         </p:txBody>
       </p:sp>
@@ -1513,7 +1531,7 @@
           <a:bodyPr/>
           <a:lstStyle/>
           <a:p>
-            <a:endParaRPr lang="en-US"/>
+            <a:endParaRPr lang="en-US" dirty="0"/>
           </a:p>
         </p:txBody>
       </p:sp>
@@ -1542,7 +1560,7 @@
               <a:rPr lang="en-US" smtClean="0"/>
               <a:t>‹#›</a:t>
             </a:fld>
-            <a:endParaRPr lang="en-US"/>
+            <a:endParaRPr lang="en-US" dirty="0"/>
           </a:p>
         </p:txBody>
       </p:sp>
@@ -1898,9 +1916,9 @@
           <a:p>
             <a:fld id="{FDD4ABEA-6F55-43C6-BABD-C9147FCBC304}" type="datetimeFigureOut">
               <a:rPr lang="en-US" smtClean="0"/>
-              <a:t>12/12/2023</a:t>
+              <a:t>12/14/2023</a:t>
             </a:fld>
-            <a:endParaRPr lang="en-US"/>
+            <a:endParaRPr lang="en-US" dirty="0"/>
           </a:p>
         </p:txBody>
       </p:sp>
@@ -1925,7 +1943,7 @@
           <a:bodyPr/>
           <a:lstStyle/>
           <a:p>
-            <a:endParaRPr lang="en-US"/>
+            <a:endParaRPr lang="en-US" dirty="0"/>
           </a:p>
         </p:txBody>
       </p:sp>
@@ -1954,7 +1972,7 @@
               <a:rPr lang="en-US" smtClean="0"/>
               <a:t>‹#›</a:t>
             </a:fld>
-            <a:endParaRPr lang="en-US"/>
+            <a:endParaRPr lang="en-US" dirty="0"/>
           </a:p>
         </p:txBody>
       </p:sp>
@@ -2039,9 +2057,9 @@
           <a:p>
             <a:fld id="{FDD4ABEA-6F55-43C6-BABD-C9147FCBC304}" type="datetimeFigureOut">
               <a:rPr lang="en-US" smtClean="0"/>
-              <a:t>12/12/2023</a:t>
+              <a:t>12/14/2023</a:t>
             </a:fld>
-            <a:endParaRPr lang="en-US"/>
+            <a:endParaRPr lang="en-US" dirty="0"/>
           </a:p>
         </p:txBody>
       </p:sp>
@@ -2066,7 +2084,7 @@
           <a:bodyPr/>
           <a:lstStyle/>
           <a:p>
-            <a:endParaRPr lang="en-US"/>
+            <a:endParaRPr lang="en-US" dirty="0"/>
           </a:p>
         </p:txBody>
       </p:sp>
@@ -2095,7 +2113,7 @@
               <a:rPr lang="en-US" smtClean="0"/>
               <a:t>‹#›</a:t>
             </a:fld>
-            <a:endParaRPr lang="en-US"/>
+            <a:endParaRPr lang="en-US" dirty="0"/>
           </a:p>
         </p:txBody>
       </p:sp>
@@ -2152,9 +2170,9 @@
           <a:p>
             <a:fld id="{FDD4ABEA-6F55-43C6-BABD-C9147FCBC304}" type="datetimeFigureOut">
               <a:rPr lang="en-US" smtClean="0"/>
-              <a:t>12/12/2023</a:t>
+              <a:t>12/14/2023</a:t>
             </a:fld>
-            <a:endParaRPr lang="en-US"/>
+            <a:endParaRPr lang="en-US" dirty="0"/>
           </a:p>
         </p:txBody>
       </p:sp>
@@ -2179,7 +2197,7 @@
           <a:bodyPr/>
           <a:lstStyle/>
           <a:p>
-            <a:endParaRPr lang="en-US"/>
+            <a:endParaRPr lang="en-US" dirty="0"/>
           </a:p>
         </p:txBody>
       </p:sp>
@@ -2208,7 +2226,7 @@
               <a:rPr lang="en-US" smtClean="0"/>
               <a:t>‹#›</a:t>
             </a:fld>
-            <a:endParaRPr lang="en-US"/>
+            <a:endParaRPr lang="en-US" dirty="0"/>
           </a:p>
         </p:txBody>
       </p:sp>
@@ -2463,9 +2481,9 @@
           <a:p>
             <a:fld id="{FDD4ABEA-6F55-43C6-BABD-C9147FCBC304}" type="datetimeFigureOut">
               <a:rPr lang="en-US" smtClean="0"/>
-              <a:t>12/12/2023</a:t>
+              <a:t>12/14/2023</a:t>
             </a:fld>
-            <a:endParaRPr lang="en-US"/>
+            <a:endParaRPr lang="en-US" dirty="0"/>
           </a:p>
         </p:txBody>
       </p:sp>
@@ -2490,7 +2508,7 @@
           <a:bodyPr/>
           <a:lstStyle/>
           <a:p>
-            <a:endParaRPr lang="en-US"/>
+            <a:endParaRPr lang="en-US" dirty="0"/>
           </a:p>
         </p:txBody>
       </p:sp>
@@ -2519,7 +2537,7 @@
               <a:rPr lang="en-US" smtClean="0"/>
               <a:t>‹#›</a:t>
             </a:fld>
-            <a:endParaRPr lang="en-US"/>
+            <a:endParaRPr lang="en-US" dirty="0"/>
           </a:p>
         </p:txBody>
       </p:sp>
@@ -2653,7 +2671,7 @@
             </a:lvl9pPr>
           </a:lstStyle>
           <a:p>
-            <a:endParaRPr lang="en-US"/>
+            <a:endParaRPr lang="en-US" dirty="0"/>
           </a:p>
         </p:txBody>
       </p:sp>
@@ -2751,9 +2769,9 @@
           <a:p>
             <a:fld id="{FDD4ABEA-6F55-43C6-BABD-C9147FCBC304}" type="datetimeFigureOut">
               <a:rPr lang="en-US" smtClean="0"/>
-              <a:t>12/12/2023</a:t>
+              <a:t>12/14/2023</a:t>
             </a:fld>
-            <a:endParaRPr lang="en-US"/>
+            <a:endParaRPr lang="en-US" dirty="0"/>
           </a:p>
         </p:txBody>
       </p:sp>
@@ -2778,7 +2796,7 @@
           <a:bodyPr/>
           <a:lstStyle/>
           <a:p>
-            <a:endParaRPr lang="en-US"/>
+            <a:endParaRPr lang="en-US" dirty="0"/>
           </a:p>
         </p:txBody>
       </p:sp>
@@ -2807,7 +2825,7 @@
               <a:rPr lang="en-US" smtClean="0"/>
               <a:t>‹#›</a:t>
             </a:fld>
-            <a:endParaRPr lang="en-US"/>
+            <a:endParaRPr lang="en-US" dirty="0"/>
           </a:p>
         </p:txBody>
       </p:sp>
@@ -2992,9 +3010,9 @@
           <a:p>
             <a:fld id="{FDD4ABEA-6F55-43C6-BABD-C9147FCBC304}" type="datetimeFigureOut">
               <a:rPr lang="en-US" smtClean="0"/>
-              <a:t>12/12/2023</a:t>
+              <a:t>12/14/2023</a:t>
             </a:fld>
-            <a:endParaRPr lang="en-US"/>
+            <a:endParaRPr lang="en-US" dirty="0"/>
           </a:p>
         </p:txBody>
       </p:sp>
@@ -3037,7 +3055,7 @@
             </a:lvl1pPr>
           </a:lstStyle>
           <a:p>
-            <a:endParaRPr lang="en-US"/>
+            <a:endParaRPr lang="en-US" dirty="0"/>
           </a:p>
         </p:txBody>
       </p:sp>
@@ -3084,7 +3102,7 @@
               <a:rPr lang="en-US" smtClean="0"/>
               <a:t>‹#›</a:t>
             </a:fld>
-            <a:endParaRPr lang="en-US"/>
+            <a:endParaRPr lang="en-US" dirty="0"/>
           </a:p>
         </p:txBody>
       </p:sp>
@@ -12477,7 +12495,7 @@
         </p:nvSpPr>
         <p:spPr>
           <a:xfrm>
-            <a:off x="666750" y="3221347"/>
+            <a:off x="208435" y="3249338"/>
             <a:ext cx="3067050" cy="1143903"/>
           </a:xfrm>
           <a:prstGeom prst="rect">
@@ -12677,7 +12695,7 @@
         </p:blipFill>
         <p:spPr>
           <a:xfrm>
-            <a:off x="4723422" y="3027026"/>
+            <a:off x="3733800" y="2984670"/>
             <a:ext cx="8249765" cy="2308897"/>
           </a:xfrm>
           <a:prstGeom prst="rect">
@@ -13203,7 +13221,7 @@
           <p:cNvPr id="2" name="Title 1">
             <a:extLst>
               <a:ext uri="{FF2B5EF4-FFF2-40B4-BE49-F238E27FC236}">
-                <a16:creationId xmlns:a16="http://schemas.microsoft.com/office/drawing/2014/main" id="{66EA932D-14A3-75FB-B418-8FEA1DB3DBA1}"/>
+                <a16:creationId xmlns:a16="http://schemas.microsoft.com/office/drawing/2014/main" id="{AE0F5A9F-91F5-CDEF-5487-CEB1060296A1}"/>
               </a:ext>
             </a:extLst>
           </p:cNvPr>
@@ -13219,7 +13237,10 @@
           <a:bodyPr/>
           <a:lstStyle/>
           <a:p>
-            <a:endParaRPr lang="en-US"/>
+            <a:r>
+              <a:rPr lang="en-US" dirty="0"/>
+              <a:t>Getting attribute values from words</a:t>
+            </a:r>
           </a:p>
         </p:txBody>
       </p:sp>
@@ -13228,7 +13249,7 @@
           <p:cNvPr id="3" name="Content Placeholder 2">
             <a:extLst>
               <a:ext uri="{FF2B5EF4-FFF2-40B4-BE49-F238E27FC236}">
-                <a16:creationId xmlns:a16="http://schemas.microsoft.com/office/drawing/2014/main" id="{94B76480-2B6A-D720-ED41-7FA879C2064A}"/>
+                <a16:creationId xmlns:a16="http://schemas.microsoft.com/office/drawing/2014/main" id="{7E4F813F-F9EE-C8F4-2E0F-D9BEC18E4DB5}"/>
               </a:ext>
             </a:extLst>
           </p:cNvPr>
@@ -13239,19 +13260,2707 @@
             <p:ph idx="1"/>
           </p:nvPr>
         </p:nvSpPr>
-        <p:spPr/>
+        <p:spPr>
+          <a:xfrm>
+            <a:off x="838200" y="1825625"/>
+            <a:ext cx="4974771" cy="4351338"/>
+          </a:xfrm>
+        </p:spPr>
         <p:txBody>
           <a:bodyPr/>
           <a:lstStyle/>
           <a:p>
-            <a:endParaRPr lang="en-US"/>
+            <a:r>
+              <a:rPr lang="en-US" dirty="0"/>
+              <a:t>Let’s say we want to get all the words and their part of speech (pos) in a </a:t>
+            </a:r>
+            <a:r>
+              <a:rPr lang="en-US" dirty="0" err="1"/>
+              <a:t>dataframe</a:t>
+            </a:r>
+            <a:r>
+              <a:rPr lang="en-US" dirty="0"/>
+              <a:t> so we can look at the frequency of certain parts of speech.</a:t>
+            </a:r>
+          </a:p>
+          <a:p>
+            <a:endParaRPr lang="en-US" dirty="0"/>
+          </a:p>
+          <a:p>
+            <a:r>
+              <a:rPr lang="en-US" dirty="0"/>
+              <a:t>We would start by walking down the hierarchy as before</a:t>
+            </a:r>
+          </a:p>
+        </p:txBody>
+      </p:sp>
+      <p:sp>
+        <p:nvSpPr>
+          <p:cNvPr id="5" name="TextBox 4">
+            <a:extLst>
+              <a:ext uri="{FF2B5EF4-FFF2-40B4-BE49-F238E27FC236}">
+                <a16:creationId xmlns:a16="http://schemas.microsoft.com/office/drawing/2014/main" id="{181C32F3-43C1-2E6F-7DF7-7D7141468243}"/>
+              </a:ext>
+            </a:extLst>
+          </p:cNvPr>
+          <p:cNvSpPr txBox="1"/>
+          <p:nvPr/>
+        </p:nvSpPr>
+        <p:spPr>
+          <a:xfrm>
+            <a:off x="6566418" y="2534015"/>
+            <a:ext cx="4974771" cy="1323439"/>
+          </a:xfrm>
+          <a:prstGeom prst="rect">
+            <a:avLst/>
+          </a:prstGeom>
+          <a:noFill/>
+          <a:ln>
+            <a:solidFill>
+              <a:schemeClr val="tx1"/>
+            </a:solidFill>
+          </a:ln>
+        </p:spPr>
+        <p:txBody>
+          <a:bodyPr wrap="square">
+            <a:spAutoFit/>
+          </a:bodyPr>
+          <a:lstStyle/>
+          <a:p>
+            <a:pPr marL="0" marR="0" latinLnBrk="1">
+              <a:spcBef>
+                <a:spcPts val="0"/>
+              </a:spcBef>
+              <a:spcAft>
+                <a:spcPts val="1000"/>
+              </a:spcAft>
+            </a:pPr>
+            <a:r>
+              <a:rPr lang="en-US" sz="2000" dirty="0">
+                <a:solidFill>
+                  <a:srgbClr val="000000"/>
+                </a:solidFill>
+                <a:effectLst/>
+                <a:latin typeface="Consolas" panose="020B0609020204030204" pitchFamily="49" charset="0"/>
+                <a:ea typeface="Cambria" panose="02040503050406030204" pitchFamily="18" charset="0"/>
+                <a:cs typeface="Times New Roman" panose="02020603050405020304" pitchFamily="18" charset="0"/>
+              </a:rPr>
+              <a:t>div </a:t>
+            </a:r>
+            <a:r>
+              <a:rPr lang="en-US" sz="2000" dirty="0">
+                <a:solidFill>
+                  <a:srgbClr val="8F5902"/>
+                </a:solidFill>
+                <a:effectLst/>
+                <a:latin typeface="Consolas" panose="020B0609020204030204" pitchFamily="49" charset="0"/>
+                <a:ea typeface="Cambria" panose="02040503050406030204" pitchFamily="18" charset="0"/>
+                <a:cs typeface="Times New Roman" panose="02020603050405020304" pitchFamily="18" charset="0"/>
+              </a:rPr>
+              <a:t>&lt;-</a:t>
+            </a:r>
+            <a:r>
+              <a:rPr lang="en-US" sz="2000" dirty="0">
+                <a:solidFill>
+                  <a:srgbClr val="000000"/>
+                </a:solidFill>
+                <a:effectLst/>
+                <a:latin typeface="Consolas" panose="020B0609020204030204" pitchFamily="49" charset="0"/>
+                <a:ea typeface="Cambria" panose="02040503050406030204" pitchFamily="18" charset="0"/>
+                <a:cs typeface="Times New Roman" panose="02020603050405020304" pitchFamily="18" charset="0"/>
+              </a:rPr>
+              <a:t> </a:t>
+            </a:r>
+            <a:r>
+              <a:rPr lang="en-US" sz="2000" b="1" dirty="0" err="1">
+                <a:solidFill>
+                  <a:srgbClr val="204A87"/>
+                </a:solidFill>
+                <a:effectLst/>
+                <a:latin typeface="Consolas" panose="020B0609020204030204" pitchFamily="49" charset="0"/>
+                <a:ea typeface="Cambria" panose="02040503050406030204" pitchFamily="18" charset="0"/>
+                <a:cs typeface="Times New Roman" panose="02020603050405020304" pitchFamily="18" charset="0"/>
+              </a:rPr>
+              <a:t>xmlChildren</a:t>
+            </a:r>
+            <a:r>
+              <a:rPr lang="en-US" sz="2000" dirty="0">
+                <a:solidFill>
+                  <a:srgbClr val="000000"/>
+                </a:solidFill>
+                <a:effectLst/>
+                <a:latin typeface="Consolas" panose="020B0609020204030204" pitchFamily="49" charset="0"/>
+                <a:ea typeface="Cambria" panose="02040503050406030204" pitchFamily="18" charset="0"/>
+                <a:cs typeface="Times New Roman" panose="02020603050405020304" pitchFamily="18" charset="0"/>
+              </a:rPr>
+              <a:t>(ae1_text[[</a:t>
+            </a:r>
+            <a:r>
+              <a:rPr lang="en-US" sz="2000" dirty="0">
+                <a:solidFill>
+                  <a:srgbClr val="0000CF"/>
+                </a:solidFill>
+                <a:effectLst/>
+                <a:latin typeface="Consolas" panose="020B0609020204030204" pitchFamily="49" charset="0"/>
+                <a:ea typeface="Cambria" panose="02040503050406030204" pitchFamily="18" charset="0"/>
+                <a:cs typeface="Times New Roman" panose="02020603050405020304" pitchFamily="18" charset="0"/>
+              </a:rPr>
+              <a:t>2</a:t>
+            </a:r>
+            <a:r>
+              <a:rPr lang="en-US" sz="2000" dirty="0">
+                <a:solidFill>
+                  <a:srgbClr val="000000"/>
+                </a:solidFill>
+                <a:effectLst/>
+                <a:latin typeface="Consolas" panose="020B0609020204030204" pitchFamily="49" charset="0"/>
+                <a:ea typeface="Cambria" panose="02040503050406030204" pitchFamily="18" charset="0"/>
+                <a:cs typeface="Times New Roman" panose="02020603050405020304" pitchFamily="18" charset="0"/>
+              </a:rPr>
+              <a:t>]])</a:t>
+            </a:r>
+            <a:br>
+              <a:rPr lang="en-US" sz="2000" dirty="0">
+                <a:solidFill>
+                  <a:srgbClr val="000000"/>
+                </a:solidFill>
+                <a:effectLst/>
+                <a:latin typeface="Consolas" panose="020B0609020204030204" pitchFamily="49" charset="0"/>
+                <a:ea typeface="Cambria" panose="02040503050406030204" pitchFamily="18" charset="0"/>
+                <a:cs typeface="Times New Roman" panose="02020603050405020304" pitchFamily="18" charset="0"/>
+              </a:rPr>
+            </a:br>
+            <a:r>
+              <a:rPr lang="en-US" sz="2000" dirty="0">
+                <a:solidFill>
+                  <a:srgbClr val="000000"/>
+                </a:solidFill>
+                <a:effectLst/>
+                <a:latin typeface="Consolas" panose="020B0609020204030204" pitchFamily="49" charset="0"/>
+                <a:ea typeface="Cambria" panose="02040503050406030204" pitchFamily="18" charset="0"/>
+                <a:cs typeface="Times New Roman" panose="02020603050405020304" pitchFamily="18" charset="0"/>
+              </a:rPr>
+              <a:t>head_01 </a:t>
+            </a:r>
+            <a:r>
+              <a:rPr lang="en-US" sz="2000" dirty="0">
+                <a:solidFill>
+                  <a:srgbClr val="8F5902"/>
+                </a:solidFill>
+                <a:effectLst/>
+                <a:latin typeface="Consolas" panose="020B0609020204030204" pitchFamily="49" charset="0"/>
+                <a:ea typeface="Cambria" panose="02040503050406030204" pitchFamily="18" charset="0"/>
+                <a:cs typeface="Times New Roman" panose="02020603050405020304" pitchFamily="18" charset="0"/>
+              </a:rPr>
+              <a:t>&lt;-</a:t>
+            </a:r>
+            <a:r>
+              <a:rPr lang="en-US" sz="2000" dirty="0">
+                <a:solidFill>
+                  <a:srgbClr val="000000"/>
+                </a:solidFill>
+                <a:effectLst/>
+                <a:latin typeface="Consolas" panose="020B0609020204030204" pitchFamily="49" charset="0"/>
+                <a:ea typeface="Cambria" panose="02040503050406030204" pitchFamily="18" charset="0"/>
+                <a:cs typeface="Times New Roman" panose="02020603050405020304" pitchFamily="18" charset="0"/>
+              </a:rPr>
+              <a:t> div[[</a:t>
+            </a:r>
+            <a:r>
+              <a:rPr lang="en-US" sz="2000" dirty="0">
+                <a:solidFill>
+                  <a:srgbClr val="0000CF"/>
+                </a:solidFill>
+                <a:effectLst/>
+                <a:latin typeface="Consolas" panose="020B0609020204030204" pitchFamily="49" charset="0"/>
+                <a:ea typeface="Cambria" panose="02040503050406030204" pitchFamily="18" charset="0"/>
+                <a:cs typeface="Times New Roman" panose="02020603050405020304" pitchFamily="18" charset="0"/>
+              </a:rPr>
+              <a:t>1</a:t>
+            </a:r>
+            <a:r>
+              <a:rPr lang="en-US" sz="2000" dirty="0">
+                <a:solidFill>
+                  <a:srgbClr val="000000"/>
+                </a:solidFill>
+                <a:effectLst/>
+                <a:latin typeface="Consolas" panose="020B0609020204030204" pitchFamily="49" charset="0"/>
+                <a:ea typeface="Cambria" panose="02040503050406030204" pitchFamily="18" charset="0"/>
+                <a:cs typeface="Times New Roman" panose="02020603050405020304" pitchFamily="18" charset="0"/>
+              </a:rPr>
+              <a:t>]]</a:t>
+            </a:r>
+            <a:br>
+              <a:rPr lang="en-US" sz="2000" dirty="0">
+                <a:solidFill>
+                  <a:srgbClr val="000000"/>
+                </a:solidFill>
+                <a:effectLst/>
+                <a:latin typeface="Consolas" panose="020B0609020204030204" pitchFamily="49" charset="0"/>
+                <a:ea typeface="Cambria" panose="02040503050406030204" pitchFamily="18" charset="0"/>
+                <a:cs typeface="Times New Roman" panose="02020603050405020304" pitchFamily="18" charset="0"/>
+              </a:rPr>
+            </a:br>
+            <a:r>
+              <a:rPr lang="en-US" sz="2000" dirty="0">
+                <a:solidFill>
+                  <a:srgbClr val="000000"/>
+                </a:solidFill>
+                <a:effectLst/>
+                <a:latin typeface="Consolas" panose="020B0609020204030204" pitchFamily="49" charset="0"/>
+                <a:ea typeface="Cambria" panose="02040503050406030204" pitchFamily="18" charset="0"/>
+                <a:cs typeface="Times New Roman" panose="02020603050405020304" pitchFamily="18" charset="0"/>
+              </a:rPr>
+              <a:t>sentence_01 </a:t>
+            </a:r>
+            <a:r>
+              <a:rPr lang="en-US" sz="2000" dirty="0">
+                <a:solidFill>
+                  <a:srgbClr val="8F5902"/>
+                </a:solidFill>
+                <a:effectLst/>
+                <a:latin typeface="Consolas" panose="020B0609020204030204" pitchFamily="49" charset="0"/>
+                <a:ea typeface="Cambria" panose="02040503050406030204" pitchFamily="18" charset="0"/>
+                <a:cs typeface="Times New Roman" panose="02020603050405020304" pitchFamily="18" charset="0"/>
+              </a:rPr>
+              <a:t>&lt;-</a:t>
+            </a:r>
+            <a:r>
+              <a:rPr lang="en-US" sz="2000" dirty="0">
+                <a:solidFill>
+                  <a:srgbClr val="000000"/>
+                </a:solidFill>
+                <a:effectLst/>
+                <a:latin typeface="Consolas" panose="020B0609020204030204" pitchFamily="49" charset="0"/>
+                <a:ea typeface="Cambria" panose="02040503050406030204" pitchFamily="18" charset="0"/>
+                <a:cs typeface="Times New Roman" panose="02020603050405020304" pitchFamily="18" charset="0"/>
+              </a:rPr>
+              <a:t> head_01[[</a:t>
+            </a:r>
+            <a:r>
+              <a:rPr lang="en-US" sz="2000" dirty="0">
+                <a:solidFill>
+                  <a:srgbClr val="0000CF"/>
+                </a:solidFill>
+                <a:effectLst/>
+                <a:latin typeface="Consolas" panose="020B0609020204030204" pitchFamily="49" charset="0"/>
+                <a:ea typeface="Cambria" panose="02040503050406030204" pitchFamily="18" charset="0"/>
+                <a:cs typeface="Times New Roman" panose="02020603050405020304" pitchFamily="18" charset="0"/>
+              </a:rPr>
+              <a:t>1</a:t>
+            </a:r>
+            <a:r>
+              <a:rPr lang="en-US" sz="2000" dirty="0">
+                <a:solidFill>
+                  <a:srgbClr val="000000"/>
+                </a:solidFill>
+                <a:effectLst/>
+                <a:latin typeface="Consolas" panose="020B0609020204030204" pitchFamily="49" charset="0"/>
+                <a:ea typeface="Cambria" panose="02040503050406030204" pitchFamily="18" charset="0"/>
+                <a:cs typeface="Times New Roman" panose="02020603050405020304" pitchFamily="18" charset="0"/>
+              </a:rPr>
+              <a:t>]]</a:t>
+            </a:r>
+            <a:br>
+              <a:rPr lang="en-US" sz="2000" dirty="0">
+                <a:solidFill>
+                  <a:srgbClr val="000000"/>
+                </a:solidFill>
+                <a:effectLst/>
+                <a:latin typeface="Consolas" panose="020B0609020204030204" pitchFamily="49" charset="0"/>
+                <a:ea typeface="Cambria" panose="02040503050406030204" pitchFamily="18" charset="0"/>
+                <a:cs typeface="Times New Roman" panose="02020603050405020304" pitchFamily="18" charset="0"/>
+              </a:rPr>
+            </a:br>
+            <a:r>
+              <a:rPr lang="en-US" sz="2000" dirty="0">
+                <a:solidFill>
+                  <a:srgbClr val="000000"/>
+                </a:solidFill>
+                <a:effectLst/>
+                <a:latin typeface="Consolas" panose="020B0609020204030204" pitchFamily="49" charset="0"/>
+                <a:ea typeface="Cambria" panose="02040503050406030204" pitchFamily="18" charset="0"/>
+                <a:cs typeface="Times New Roman" panose="02020603050405020304" pitchFamily="18" charset="0"/>
+              </a:rPr>
+              <a:t>sentence_01[[</a:t>
+            </a:r>
+            <a:r>
+              <a:rPr lang="en-US" sz="2000" dirty="0">
+                <a:solidFill>
+                  <a:srgbClr val="0000CF"/>
+                </a:solidFill>
+                <a:effectLst/>
+                <a:latin typeface="Consolas" panose="020B0609020204030204" pitchFamily="49" charset="0"/>
+                <a:ea typeface="Cambria" panose="02040503050406030204" pitchFamily="18" charset="0"/>
+                <a:cs typeface="Times New Roman" panose="02020603050405020304" pitchFamily="18" charset="0"/>
+              </a:rPr>
+              <a:t>1</a:t>
+            </a:r>
+            <a:r>
+              <a:rPr lang="en-US" sz="2000" dirty="0">
+                <a:solidFill>
+                  <a:srgbClr val="000000"/>
+                </a:solidFill>
+                <a:effectLst/>
+                <a:latin typeface="Consolas" panose="020B0609020204030204" pitchFamily="49" charset="0"/>
+                <a:ea typeface="Cambria" panose="02040503050406030204" pitchFamily="18" charset="0"/>
+                <a:cs typeface="Times New Roman" panose="02020603050405020304" pitchFamily="18" charset="0"/>
+              </a:rPr>
+              <a:t>]]</a:t>
+            </a:r>
+            <a:endParaRPr lang="en-US" sz="2000" dirty="0">
+              <a:effectLst/>
+              <a:latin typeface="Consolas" panose="020B0609020204030204" pitchFamily="49" charset="0"/>
+              <a:ea typeface="Cambria" panose="02040503050406030204" pitchFamily="18" charset="0"/>
+              <a:cs typeface="Times New Roman" panose="02020603050405020304" pitchFamily="18" charset="0"/>
+            </a:endParaRPr>
           </a:p>
         </p:txBody>
       </p:sp>
     </p:spTree>
     <p:extLst>
       <p:ext uri="{BB962C8B-B14F-4D97-AF65-F5344CB8AC3E}">
-        <p14:creationId xmlns:p14="http://schemas.microsoft.com/office/powerpoint/2010/main" val="511130496"/>
+        <p14:creationId xmlns:p14="http://schemas.microsoft.com/office/powerpoint/2010/main" val="953326039"/>
+      </p:ext>
+    </p:extLst>
+  </p:cSld>
+  <p:clrMapOvr>
+    <a:masterClrMapping/>
+  </p:clrMapOvr>
+</p:sld>
+</file>
+
+<file path=ppt/slides/slide27.xml><?xml version="1.0" encoding="utf-8"?>
+<p:sld xmlns:a="http://schemas.openxmlformats.org/drawingml/2006/main" xmlns:r="http://schemas.openxmlformats.org/officeDocument/2006/relationships" xmlns:p="http://schemas.openxmlformats.org/presentationml/2006/main">
+  <p:cSld>
+    <p:spTree>
+      <p:nvGrpSpPr>
+        <p:cNvPr id="1" name=""/>
+        <p:cNvGrpSpPr/>
+        <p:nvPr/>
+      </p:nvGrpSpPr>
+      <p:grpSpPr>
+        <a:xfrm>
+          <a:off x="0" y="0"/>
+          <a:ext cx="0" cy="0"/>
+          <a:chOff x="0" y="0"/>
+          <a:chExt cx="0" cy="0"/>
+        </a:xfrm>
+      </p:grpSpPr>
+      <p:sp>
+        <p:nvSpPr>
+          <p:cNvPr id="5" name="TextBox 4">
+            <a:extLst>
+              <a:ext uri="{FF2B5EF4-FFF2-40B4-BE49-F238E27FC236}">
+                <a16:creationId xmlns:a16="http://schemas.microsoft.com/office/drawing/2014/main" id="{A4B86776-8EE7-CE61-DC1F-FA3F9489A30E}"/>
+              </a:ext>
+            </a:extLst>
+          </p:cNvPr>
+          <p:cNvSpPr txBox="1"/>
+          <p:nvPr/>
+        </p:nvSpPr>
+        <p:spPr>
+          <a:xfrm>
+            <a:off x="949390" y="365041"/>
+            <a:ext cx="6319157" cy="5909310"/>
+          </a:xfrm>
+          <a:prstGeom prst="rect">
+            <a:avLst/>
+          </a:prstGeom>
+          <a:noFill/>
+          <a:ln>
+            <a:solidFill>
+              <a:schemeClr val="tx1"/>
+            </a:solidFill>
+          </a:ln>
+        </p:spPr>
+        <p:txBody>
+          <a:bodyPr wrap="square">
+            <a:spAutoFit/>
+          </a:bodyPr>
+          <a:lstStyle/>
+          <a:p>
+            <a:pPr marL="0" marR="0" latinLnBrk="1">
+              <a:spcBef>
+                <a:spcPts val="0"/>
+              </a:spcBef>
+              <a:spcAft>
+                <a:spcPts val="1000"/>
+              </a:spcAft>
+            </a:pPr>
+            <a:r>
+              <a:rPr lang="en-US" sz="1400" dirty="0">
+                <a:solidFill>
+                  <a:srgbClr val="000000"/>
+                </a:solidFill>
+                <a:effectLst/>
+                <a:latin typeface="Consolas" panose="020B0609020204030204" pitchFamily="49" charset="0"/>
+                <a:ea typeface="Cambria" panose="02040503050406030204" pitchFamily="18" charset="0"/>
+                <a:cs typeface="Times New Roman" panose="02020603050405020304" pitchFamily="18" charset="0"/>
+              </a:rPr>
+              <a:t>## &lt;s n="1"&gt;</a:t>
+            </a:r>
+            <a:br>
+              <a:rPr lang="en-US" sz="1400" dirty="0">
+                <a:solidFill>
+                  <a:srgbClr val="000000"/>
+                </a:solidFill>
+                <a:effectLst/>
+                <a:latin typeface="Consolas" panose="020B0609020204030204" pitchFamily="49" charset="0"/>
+                <a:ea typeface="Cambria" panose="02040503050406030204" pitchFamily="18" charset="0"/>
+                <a:cs typeface="Times New Roman" panose="02020603050405020304" pitchFamily="18" charset="0"/>
+              </a:rPr>
+            </a:br>
+            <a:r>
+              <a:rPr lang="en-US" sz="1400" dirty="0">
+                <a:solidFill>
+                  <a:srgbClr val="000000"/>
+                </a:solidFill>
+                <a:effectLst/>
+                <a:latin typeface="Consolas" panose="020B0609020204030204" pitchFamily="49" charset="0"/>
+                <a:ea typeface="Cambria" panose="02040503050406030204" pitchFamily="18" charset="0"/>
+                <a:cs typeface="Times New Roman" panose="02020603050405020304" pitchFamily="18" charset="0"/>
+              </a:rPr>
+              <a:t>##   &lt;w c5="AJS" </a:t>
+            </a:r>
+            <a:r>
+              <a:rPr lang="en-US" sz="1400" dirty="0" err="1">
+                <a:solidFill>
+                  <a:srgbClr val="000000"/>
+                </a:solidFill>
+                <a:effectLst/>
+                <a:latin typeface="Consolas" panose="020B0609020204030204" pitchFamily="49" charset="0"/>
+                <a:ea typeface="Cambria" panose="02040503050406030204" pitchFamily="18" charset="0"/>
+                <a:cs typeface="Times New Roman" panose="02020603050405020304" pitchFamily="18" charset="0"/>
+              </a:rPr>
+              <a:t>hw</a:t>
+            </a:r>
+            <a:r>
+              <a:rPr lang="en-US" sz="1400" dirty="0">
+                <a:solidFill>
+                  <a:srgbClr val="000000"/>
+                </a:solidFill>
+                <a:effectLst/>
+                <a:latin typeface="Consolas" panose="020B0609020204030204" pitchFamily="49" charset="0"/>
+                <a:ea typeface="Cambria" panose="02040503050406030204" pitchFamily="18" charset="0"/>
+                <a:cs typeface="Times New Roman" panose="02020603050405020304" pitchFamily="18" charset="0"/>
+              </a:rPr>
+              <a:t>="late" pos="ADJ"&gt;Latest &lt;/w&gt;</a:t>
+            </a:r>
+            <a:br>
+              <a:rPr lang="en-US" sz="1400" dirty="0">
+                <a:solidFill>
+                  <a:srgbClr val="000000"/>
+                </a:solidFill>
+                <a:effectLst/>
+                <a:latin typeface="Consolas" panose="020B0609020204030204" pitchFamily="49" charset="0"/>
+                <a:ea typeface="Cambria" panose="02040503050406030204" pitchFamily="18" charset="0"/>
+                <a:cs typeface="Times New Roman" panose="02020603050405020304" pitchFamily="18" charset="0"/>
+              </a:rPr>
+            </a:br>
+            <a:r>
+              <a:rPr lang="en-US" sz="1400" dirty="0">
+                <a:solidFill>
+                  <a:srgbClr val="000000"/>
+                </a:solidFill>
+                <a:effectLst/>
+                <a:latin typeface="Consolas" panose="020B0609020204030204" pitchFamily="49" charset="0"/>
+                <a:ea typeface="Cambria" panose="02040503050406030204" pitchFamily="18" charset="0"/>
+                <a:cs typeface="Times New Roman" panose="02020603050405020304" pitchFamily="18" charset="0"/>
+              </a:rPr>
+              <a:t>##   &lt;w c5="AJ0" </a:t>
+            </a:r>
+            <a:r>
+              <a:rPr lang="en-US" sz="1400" dirty="0" err="1">
+                <a:solidFill>
+                  <a:srgbClr val="000000"/>
+                </a:solidFill>
+                <a:effectLst/>
+                <a:latin typeface="Consolas" panose="020B0609020204030204" pitchFamily="49" charset="0"/>
+                <a:ea typeface="Cambria" panose="02040503050406030204" pitchFamily="18" charset="0"/>
+                <a:cs typeface="Times New Roman" panose="02020603050405020304" pitchFamily="18" charset="0"/>
+              </a:rPr>
+              <a:t>hw</a:t>
+            </a:r>
+            <a:r>
+              <a:rPr lang="en-US" sz="1400" dirty="0">
+                <a:solidFill>
+                  <a:srgbClr val="000000"/>
+                </a:solidFill>
+                <a:effectLst/>
+                <a:latin typeface="Consolas" panose="020B0609020204030204" pitchFamily="49" charset="0"/>
+                <a:ea typeface="Cambria" panose="02040503050406030204" pitchFamily="18" charset="0"/>
+                <a:cs typeface="Times New Roman" panose="02020603050405020304" pitchFamily="18" charset="0"/>
+              </a:rPr>
+              <a:t>="corporate" pos="ADJ"&gt;corporate &lt;/w&gt;</a:t>
+            </a:r>
+            <a:br>
+              <a:rPr lang="en-US" sz="1400" dirty="0">
+                <a:solidFill>
+                  <a:srgbClr val="000000"/>
+                </a:solidFill>
+                <a:effectLst/>
+                <a:latin typeface="Consolas" panose="020B0609020204030204" pitchFamily="49" charset="0"/>
+                <a:ea typeface="Cambria" panose="02040503050406030204" pitchFamily="18" charset="0"/>
+                <a:cs typeface="Times New Roman" panose="02020603050405020304" pitchFamily="18" charset="0"/>
+              </a:rPr>
+            </a:br>
+            <a:r>
+              <a:rPr lang="en-US" sz="1400" dirty="0">
+                <a:solidFill>
+                  <a:srgbClr val="000000"/>
+                </a:solidFill>
+                <a:effectLst/>
+                <a:latin typeface="Consolas" panose="020B0609020204030204" pitchFamily="49" charset="0"/>
+                <a:ea typeface="Cambria" panose="02040503050406030204" pitchFamily="18" charset="0"/>
+                <a:cs typeface="Times New Roman" panose="02020603050405020304" pitchFamily="18" charset="0"/>
+              </a:rPr>
+              <a:t>##   &lt;w c5="NN1" </a:t>
+            </a:r>
+            <a:r>
+              <a:rPr lang="en-US" sz="1400" dirty="0" err="1">
+                <a:solidFill>
+                  <a:srgbClr val="000000"/>
+                </a:solidFill>
+                <a:effectLst/>
+                <a:latin typeface="Consolas" panose="020B0609020204030204" pitchFamily="49" charset="0"/>
+                <a:ea typeface="Cambria" panose="02040503050406030204" pitchFamily="18" charset="0"/>
+                <a:cs typeface="Times New Roman" panose="02020603050405020304" pitchFamily="18" charset="0"/>
+              </a:rPr>
+              <a:t>hw</a:t>
+            </a:r>
+            <a:r>
+              <a:rPr lang="en-US" sz="1400" dirty="0">
+                <a:solidFill>
+                  <a:srgbClr val="000000"/>
+                </a:solidFill>
+                <a:effectLst/>
+                <a:latin typeface="Consolas" panose="020B0609020204030204" pitchFamily="49" charset="0"/>
+                <a:ea typeface="Cambria" panose="02040503050406030204" pitchFamily="18" charset="0"/>
+                <a:cs typeface="Times New Roman" panose="02020603050405020304" pitchFamily="18" charset="0"/>
+              </a:rPr>
+              <a:t>="unbundler" pos="SUBST"&gt;unbundler &lt;/w&gt;</a:t>
+            </a:r>
+            <a:br>
+              <a:rPr lang="en-US" sz="1400" dirty="0">
+                <a:solidFill>
+                  <a:srgbClr val="000000"/>
+                </a:solidFill>
+                <a:effectLst/>
+                <a:latin typeface="Consolas" panose="020B0609020204030204" pitchFamily="49" charset="0"/>
+                <a:ea typeface="Cambria" panose="02040503050406030204" pitchFamily="18" charset="0"/>
+                <a:cs typeface="Times New Roman" panose="02020603050405020304" pitchFamily="18" charset="0"/>
+              </a:rPr>
+            </a:br>
+            <a:r>
+              <a:rPr lang="en-US" sz="1400" dirty="0">
+                <a:solidFill>
+                  <a:srgbClr val="000000"/>
+                </a:solidFill>
+                <a:effectLst/>
+                <a:latin typeface="Consolas" panose="020B0609020204030204" pitchFamily="49" charset="0"/>
+                <a:ea typeface="Cambria" panose="02040503050406030204" pitchFamily="18" charset="0"/>
+                <a:cs typeface="Times New Roman" panose="02020603050405020304" pitchFamily="18" charset="0"/>
+              </a:rPr>
+              <a:t>##   &lt;w c5="VVZ" </a:t>
+            </a:r>
+            <a:r>
+              <a:rPr lang="en-US" sz="1400" dirty="0" err="1">
+                <a:solidFill>
+                  <a:srgbClr val="000000"/>
+                </a:solidFill>
+                <a:effectLst/>
+                <a:latin typeface="Consolas" panose="020B0609020204030204" pitchFamily="49" charset="0"/>
+                <a:ea typeface="Cambria" panose="02040503050406030204" pitchFamily="18" charset="0"/>
+                <a:cs typeface="Times New Roman" panose="02020603050405020304" pitchFamily="18" charset="0"/>
+              </a:rPr>
+              <a:t>hw</a:t>
+            </a:r>
+            <a:r>
+              <a:rPr lang="en-US" sz="1400" dirty="0">
+                <a:solidFill>
+                  <a:srgbClr val="000000"/>
+                </a:solidFill>
+                <a:effectLst/>
+                <a:latin typeface="Consolas" panose="020B0609020204030204" pitchFamily="49" charset="0"/>
+                <a:ea typeface="Cambria" panose="02040503050406030204" pitchFamily="18" charset="0"/>
+                <a:cs typeface="Times New Roman" panose="02020603050405020304" pitchFamily="18" charset="0"/>
+              </a:rPr>
+              <a:t>="reveal" pos="VERB"&gt;reveals &lt;/w&gt;</a:t>
+            </a:r>
+            <a:br>
+              <a:rPr lang="en-US" sz="1400" dirty="0">
+                <a:solidFill>
+                  <a:srgbClr val="000000"/>
+                </a:solidFill>
+                <a:effectLst/>
+                <a:latin typeface="Consolas" panose="020B0609020204030204" pitchFamily="49" charset="0"/>
+                <a:ea typeface="Cambria" panose="02040503050406030204" pitchFamily="18" charset="0"/>
+                <a:cs typeface="Times New Roman" panose="02020603050405020304" pitchFamily="18" charset="0"/>
+              </a:rPr>
+            </a:br>
+            <a:r>
+              <a:rPr lang="en-US" sz="1400" dirty="0">
+                <a:solidFill>
+                  <a:srgbClr val="000000"/>
+                </a:solidFill>
+                <a:effectLst/>
+                <a:latin typeface="Consolas" panose="020B0609020204030204" pitchFamily="49" charset="0"/>
+                <a:ea typeface="Cambria" panose="02040503050406030204" pitchFamily="18" charset="0"/>
+                <a:cs typeface="Times New Roman" panose="02020603050405020304" pitchFamily="18" charset="0"/>
+              </a:rPr>
+              <a:t>##   &lt;w c5="AJ0" </a:t>
+            </a:r>
+            <a:r>
+              <a:rPr lang="en-US" sz="1400" dirty="0" err="1">
+                <a:solidFill>
+                  <a:srgbClr val="000000"/>
+                </a:solidFill>
+                <a:effectLst/>
+                <a:latin typeface="Consolas" panose="020B0609020204030204" pitchFamily="49" charset="0"/>
+                <a:ea typeface="Cambria" panose="02040503050406030204" pitchFamily="18" charset="0"/>
+                <a:cs typeface="Times New Roman" panose="02020603050405020304" pitchFamily="18" charset="0"/>
+              </a:rPr>
+              <a:t>hw</a:t>
+            </a:r>
+            <a:r>
+              <a:rPr lang="en-US" sz="1400" dirty="0">
+                <a:solidFill>
+                  <a:srgbClr val="000000"/>
+                </a:solidFill>
+                <a:effectLst/>
+                <a:latin typeface="Consolas" panose="020B0609020204030204" pitchFamily="49" charset="0"/>
+                <a:ea typeface="Cambria" panose="02040503050406030204" pitchFamily="18" charset="0"/>
+                <a:cs typeface="Times New Roman" panose="02020603050405020304" pitchFamily="18" charset="0"/>
+              </a:rPr>
+              <a:t>="laid-back" pos="ADJ"&gt;laid-back &lt;/w&gt;</a:t>
+            </a:r>
+            <a:br>
+              <a:rPr lang="en-US" sz="1400" dirty="0">
+                <a:solidFill>
+                  <a:srgbClr val="000000"/>
+                </a:solidFill>
+                <a:effectLst/>
+                <a:latin typeface="Consolas" panose="020B0609020204030204" pitchFamily="49" charset="0"/>
+                <a:ea typeface="Cambria" panose="02040503050406030204" pitchFamily="18" charset="0"/>
+                <a:cs typeface="Times New Roman" panose="02020603050405020304" pitchFamily="18" charset="0"/>
+              </a:rPr>
+            </a:br>
+            <a:r>
+              <a:rPr lang="en-US" sz="1400" dirty="0">
+                <a:solidFill>
+                  <a:srgbClr val="000000"/>
+                </a:solidFill>
+                <a:effectLst/>
+                <a:latin typeface="Consolas" panose="020B0609020204030204" pitchFamily="49" charset="0"/>
+                <a:ea typeface="Cambria" panose="02040503050406030204" pitchFamily="18" charset="0"/>
+                <a:cs typeface="Times New Roman" panose="02020603050405020304" pitchFamily="18" charset="0"/>
+              </a:rPr>
+              <a:t>##   &lt;w c5="NN1" </a:t>
+            </a:r>
+            <a:r>
+              <a:rPr lang="en-US" sz="1400" dirty="0" err="1">
+                <a:solidFill>
+                  <a:srgbClr val="000000"/>
+                </a:solidFill>
+                <a:effectLst/>
+                <a:latin typeface="Consolas" panose="020B0609020204030204" pitchFamily="49" charset="0"/>
+                <a:ea typeface="Cambria" panose="02040503050406030204" pitchFamily="18" charset="0"/>
+                <a:cs typeface="Times New Roman" panose="02020603050405020304" pitchFamily="18" charset="0"/>
+              </a:rPr>
+              <a:t>hw</a:t>
+            </a:r>
+            <a:r>
+              <a:rPr lang="en-US" sz="1400" dirty="0">
+                <a:solidFill>
+                  <a:srgbClr val="000000"/>
+                </a:solidFill>
+                <a:effectLst/>
+                <a:latin typeface="Consolas" panose="020B0609020204030204" pitchFamily="49" charset="0"/>
+                <a:ea typeface="Cambria" panose="02040503050406030204" pitchFamily="18" charset="0"/>
+                <a:cs typeface="Times New Roman" panose="02020603050405020304" pitchFamily="18" charset="0"/>
+              </a:rPr>
+              <a:t>="approach" pos="SUBST"&gt;approach&lt;/w&gt;</a:t>
+            </a:r>
+            <a:br>
+              <a:rPr lang="en-US" sz="1400" dirty="0">
+                <a:solidFill>
+                  <a:srgbClr val="000000"/>
+                </a:solidFill>
+                <a:effectLst/>
+                <a:latin typeface="Consolas" panose="020B0609020204030204" pitchFamily="49" charset="0"/>
+                <a:ea typeface="Cambria" panose="02040503050406030204" pitchFamily="18" charset="0"/>
+                <a:cs typeface="Times New Roman" panose="02020603050405020304" pitchFamily="18" charset="0"/>
+              </a:rPr>
+            </a:br>
+            <a:r>
+              <a:rPr lang="en-US" sz="1400" dirty="0">
+                <a:solidFill>
+                  <a:srgbClr val="000000"/>
+                </a:solidFill>
+                <a:effectLst/>
+                <a:latin typeface="Consolas" panose="020B0609020204030204" pitchFamily="49" charset="0"/>
+                <a:ea typeface="Cambria" panose="02040503050406030204" pitchFamily="18" charset="0"/>
+                <a:cs typeface="Times New Roman" panose="02020603050405020304" pitchFamily="18" charset="0"/>
+              </a:rPr>
+              <a:t>##   &lt;c c5="PUN"&gt;: &lt;/c&gt;</a:t>
+            </a:r>
+            <a:br>
+              <a:rPr lang="en-US" sz="1400" dirty="0">
+                <a:solidFill>
+                  <a:srgbClr val="000000"/>
+                </a:solidFill>
+                <a:effectLst/>
+                <a:latin typeface="Consolas" panose="020B0609020204030204" pitchFamily="49" charset="0"/>
+                <a:ea typeface="Cambria" panose="02040503050406030204" pitchFamily="18" charset="0"/>
+                <a:cs typeface="Times New Roman" panose="02020603050405020304" pitchFamily="18" charset="0"/>
+              </a:rPr>
+            </a:br>
+            <a:r>
+              <a:rPr lang="en-US" sz="1400" dirty="0">
+                <a:solidFill>
+                  <a:srgbClr val="000000"/>
+                </a:solidFill>
+                <a:effectLst/>
+                <a:latin typeface="Consolas" panose="020B0609020204030204" pitchFamily="49" charset="0"/>
+                <a:ea typeface="Cambria" panose="02040503050406030204" pitchFamily="18" charset="0"/>
+                <a:cs typeface="Times New Roman" panose="02020603050405020304" pitchFamily="18" charset="0"/>
+              </a:rPr>
+              <a:t>##   &lt;w c5="NP0" </a:t>
+            </a:r>
+            <a:r>
+              <a:rPr lang="en-US" sz="1400" dirty="0" err="1">
+                <a:solidFill>
+                  <a:srgbClr val="000000"/>
+                </a:solidFill>
+                <a:effectLst/>
+                <a:latin typeface="Consolas" panose="020B0609020204030204" pitchFamily="49" charset="0"/>
+                <a:ea typeface="Cambria" panose="02040503050406030204" pitchFamily="18" charset="0"/>
+                <a:cs typeface="Times New Roman" panose="02020603050405020304" pitchFamily="18" charset="0"/>
+              </a:rPr>
+              <a:t>hw</a:t>
+            </a:r>
+            <a:r>
+              <a:rPr lang="en-US" sz="1400" dirty="0">
+                <a:solidFill>
+                  <a:srgbClr val="000000"/>
+                </a:solidFill>
+                <a:effectLst/>
+                <a:latin typeface="Consolas" panose="020B0609020204030204" pitchFamily="49" charset="0"/>
+                <a:ea typeface="Cambria" panose="02040503050406030204" pitchFamily="18" charset="0"/>
+                <a:cs typeface="Times New Roman" panose="02020603050405020304" pitchFamily="18" charset="0"/>
+              </a:rPr>
+              <a:t>="</a:t>
+            </a:r>
+            <a:r>
+              <a:rPr lang="en-US" sz="1400" dirty="0" err="1">
+                <a:solidFill>
+                  <a:srgbClr val="000000"/>
+                </a:solidFill>
+                <a:effectLst/>
+                <a:latin typeface="Consolas" panose="020B0609020204030204" pitchFamily="49" charset="0"/>
+                <a:ea typeface="Cambria" panose="02040503050406030204" pitchFamily="18" charset="0"/>
+                <a:cs typeface="Times New Roman" panose="02020603050405020304" pitchFamily="18" charset="0"/>
+              </a:rPr>
+              <a:t>roland</a:t>
+            </a:r>
+            <a:r>
+              <a:rPr lang="en-US" sz="1400" dirty="0">
+                <a:solidFill>
+                  <a:srgbClr val="000000"/>
+                </a:solidFill>
+                <a:effectLst/>
+                <a:latin typeface="Consolas" panose="020B0609020204030204" pitchFamily="49" charset="0"/>
+                <a:ea typeface="Cambria" panose="02040503050406030204" pitchFamily="18" charset="0"/>
+                <a:cs typeface="Times New Roman" panose="02020603050405020304" pitchFamily="18" charset="0"/>
+              </a:rPr>
+              <a:t>" pos="SUBST"&gt;Roland &lt;/w&gt;</a:t>
+            </a:r>
+            <a:br>
+              <a:rPr lang="en-US" sz="1400" dirty="0">
+                <a:solidFill>
+                  <a:srgbClr val="000000"/>
+                </a:solidFill>
+                <a:effectLst/>
+                <a:latin typeface="Consolas" panose="020B0609020204030204" pitchFamily="49" charset="0"/>
+                <a:ea typeface="Cambria" panose="02040503050406030204" pitchFamily="18" charset="0"/>
+                <a:cs typeface="Times New Roman" panose="02020603050405020304" pitchFamily="18" charset="0"/>
+              </a:rPr>
+            </a:br>
+            <a:r>
+              <a:rPr lang="en-US" sz="1400" dirty="0">
+                <a:solidFill>
+                  <a:srgbClr val="000000"/>
+                </a:solidFill>
+                <a:effectLst/>
+                <a:latin typeface="Consolas" panose="020B0609020204030204" pitchFamily="49" charset="0"/>
+                <a:ea typeface="Cambria" panose="02040503050406030204" pitchFamily="18" charset="0"/>
+                <a:cs typeface="Times New Roman" panose="02020603050405020304" pitchFamily="18" charset="0"/>
+              </a:rPr>
+              <a:t>##   &lt;w c5="NP0" </a:t>
+            </a:r>
+            <a:r>
+              <a:rPr lang="en-US" sz="1400" dirty="0" err="1">
+                <a:solidFill>
+                  <a:srgbClr val="000000"/>
+                </a:solidFill>
+                <a:effectLst/>
+                <a:latin typeface="Consolas" panose="020B0609020204030204" pitchFamily="49" charset="0"/>
+                <a:ea typeface="Cambria" panose="02040503050406030204" pitchFamily="18" charset="0"/>
+                <a:cs typeface="Times New Roman" panose="02020603050405020304" pitchFamily="18" charset="0"/>
+              </a:rPr>
+              <a:t>hw</a:t>
+            </a:r>
+            <a:r>
+              <a:rPr lang="en-US" sz="1400" dirty="0">
+                <a:solidFill>
+                  <a:srgbClr val="000000"/>
+                </a:solidFill>
+                <a:effectLst/>
+                <a:latin typeface="Consolas" panose="020B0609020204030204" pitchFamily="49" charset="0"/>
+                <a:ea typeface="Cambria" panose="02040503050406030204" pitchFamily="18" charset="0"/>
+                <a:cs typeface="Times New Roman" panose="02020603050405020304" pitchFamily="18" charset="0"/>
+              </a:rPr>
+              <a:t>="franklin" pos="SUBST"&gt;Franklin&lt;/w&gt;</a:t>
+            </a:r>
+            <a:br>
+              <a:rPr lang="en-US" sz="1400" dirty="0">
+                <a:solidFill>
+                  <a:srgbClr val="000000"/>
+                </a:solidFill>
+                <a:effectLst/>
+                <a:latin typeface="Consolas" panose="020B0609020204030204" pitchFamily="49" charset="0"/>
+                <a:ea typeface="Cambria" panose="02040503050406030204" pitchFamily="18" charset="0"/>
+                <a:cs typeface="Times New Roman" panose="02020603050405020304" pitchFamily="18" charset="0"/>
+              </a:rPr>
+            </a:br>
+            <a:r>
+              <a:rPr lang="en-US" sz="1400" dirty="0">
+                <a:solidFill>
+                  <a:srgbClr val="000000"/>
+                </a:solidFill>
+                <a:effectLst/>
+                <a:latin typeface="Consolas" panose="020B0609020204030204" pitchFamily="49" charset="0"/>
+                <a:ea typeface="Cambria" panose="02040503050406030204" pitchFamily="18" charset="0"/>
+                <a:cs typeface="Times New Roman" panose="02020603050405020304" pitchFamily="18" charset="0"/>
+              </a:rPr>
+              <a:t>##   &lt;c c5="PUN"&gt;, &lt;/c&gt;</a:t>
+            </a:r>
+            <a:br>
+              <a:rPr lang="en-US" sz="1400" dirty="0">
+                <a:solidFill>
+                  <a:srgbClr val="000000"/>
+                </a:solidFill>
+                <a:effectLst/>
+                <a:latin typeface="Consolas" panose="020B0609020204030204" pitchFamily="49" charset="0"/>
+                <a:ea typeface="Cambria" panose="02040503050406030204" pitchFamily="18" charset="0"/>
+                <a:cs typeface="Times New Roman" panose="02020603050405020304" pitchFamily="18" charset="0"/>
+              </a:rPr>
+            </a:br>
+            <a:r>
+              <a:rPr lang="en-US" sz="1400" dirty="0">
+                <a:solidFill>
+                  <a:srgbClr val="000000"/>
+                </a:solidFill>
+                <a:effectLst/>
+                <a:latin typeface="Consolas" panose="020B0609020204030204" pitchFamily="49" charset="0"/>
+                <a:ea typeface="Cambria" panose="02040503050406030204" pitchFamily="18" charset="0"/>
+                <a:cs typeface="Times New Roman" panose="02020603050405020304" pitchFamily="18" charset="0"/>
+              </a:rPr>
+              <a:t>##   &lt;w c5="PNQ" </a:t>
+            </a:r>
+            <a:r>
+              <a:rPr lang="en-US" sz="1400" dirty="0" err="1">
+                <a:solidFill>
+                  <a:srgbClr val="000000"/>
+                </a:solidFill>
+                <a:effectLst/>
+                <a:latin typeface="Consolas" panose="020B0609020204030204" pitchFamily="49" charset="0"/>
+                <a:ea typeface="Cambria" panose="02040503050406030204" pitchFamily="18" charset="0"/>
+                <a:cs typeface="Times New Roman" panose="02020603050405020304" pitchFamily="18" charset="0"/>
+              </a:rPr>
+              <a:t>hw</a:t>
+            </a:r>
+            <a:r>
+              <a:rPr lang="en-US" sz="1400" dirty="0">
+                <a:solidFill>
+                  <a:srgbClr val="000000"/>
+                </a:solidFill>
+                <a:effectLst/>
+                <a:latin typeface="Consolas" panose="020B0609020204030204" pitchFamily="49" charset="0"/>
+                <a:ea typeface="Cambria" panose="02040503050406030204" pitchFamily="18" charset="0"/>
+                <a:cs typeface="Times New Roman" panose="02020603050405020304" pitchFamily="18" charset="0"/>
+              </a:rPr>
+              <a:t>="who" pos="PRON"&gt;who &lt;/w&gt;</a:t>
+            </a:r>
+            <a:br>
+              <a:rPr lang="en-US" sz="1400" dirty="0">
+                <a:solidFill>
+                  <a:srgbClr val="000000"/>
+                </a:solidFill>
+                <a:effectLst/>
+                <a:latin typeface="Consolas" panose="020B0609020204030204" pitchFamily="49" charset="0"/>
+                <a:ea typeface="Cambria" panose="02040503050406030204" pitchFamily="18" charset="0"/>
+                <a:cs typeface="Times New Roman" panose="02020603050405020304" pitchFamily="18" charset="0"/>
+              </a:rPr>
+            </a:br>
+            <a:r>
+              <a:rPr lang="en-US" sz="1400" dirty="0">
+                <a:solidFill>
+                  <a:srgbClr val="000000"/>
+                </a:solidFill>
+                <a:effectLst/>
+                <a:latin typeface="Consolas" panose="020B0609020204030204" pitchFamily="49" charset="0"/>
+                <a:ea typeface="Cambria" panose="02040503050406030204" pitchFamily="18" charset="0"/>
+                <a:cs typeface="Times New Roman" panose="02020603050405020304" pitchFamily="18" charset="0"/>
+              </a:rPr>
+              <a:t>##   &lt;w c5="VBZ" </a:t>
+            </a:r>
+            <a:r>
+              <a:rPr lang="en-US" sz="1400" dirty="0" err="1">
+                <a:solidFill>
+                  <a:srgbClr val="000000"/>
+                </a:solidFill>
+                <a:effectLst/>
+                <a:latin typeface="Consolas" panose="020B0609020204030204" pitchFamily="49" charset="0"/>
+                <a:ea typeface="Cambria" panose="02040503050406030204" pitchFamily="18" charset="0"/>
+                <a:cs typeface="Times New Roman" panose="02020603050405020304" pitchFamily="18" charset="0"/>
+              </a:rPr>
+              <a:t>hw</a:t>
+            </a:r>
+            <a:r>
+              <a:rPr lang="en-US" sz="1400" dirty="0">
+                <a:solidFill>
+                  <a:srgbClr val="000000"/>
+                </a:solidFill>
+                <a:effectLst/>
+                <a:latin typeface="Consolas" panose="020B0609020204030204" pitchFamily="49" charset="0"/>
+                <a:ea typeface="Cambria" panose="02040503050406030204" pitchFamily="18" charset="0"/>
+                <a:cs typeface="Times New Roman" panose="02020603050405020304" pitchFamily="18" charset="0"/>
+              </a:rPr>
+              <a:t>="be" pos="VERB"&gt;is &lt;/w&gt;</a:t>
+            </a:r>
+            <a:br>
+              <a:rPr lang="en-US" sz="1400" dirty="0">
+                <a:solidFill>
+                  <a:srgbClr val="000000"/>
+                </a:solidFill>
+                <a:effectLst/>
+                <a:latin typeface="Consolas" panose="020B0609020204030204" pitchFamily="49" charset="0"/>
+                <a:ea typeface="Cambria" panose="02040503050406030204" pitchFamily="18" charset="0"/>
+                <a:cs typeface="Times New Roman" panose="02020603050405020304" pitchFamily="18" charset="0"/>
+              </a:rPr>
+            </a:br>
+            <a:r>
+              <a:rPr lang="en-US" sz="1400" dirty="0">
+                <a:solidFill>
+                  <a:srgbClr val="000000"/>
+                </a:solidFill>
+                <a:effectLst/>
+                <a:latin typeface="Consolas" panose="020B0609020204030204" pitchFamily="49" charset="0"/>
+                <a:ea typeface="Cambria" panose="02040503050406030204" pitchFamily="18" charset="0"/>
+                <a:cs typeface="Times New Roman" panose="02020603050405020304" pitchFamily="18" charset="0"/>
+              </a:rPr>
+              <a:t>##   &lt;w c5="VVG" </a:t>
+            </a:r>
+            <a:r>
+              <a:rPr lang="en-US" sz="1400" dirty="0" err="1">
+                <a:solidFill>
+                  <a:srgbClr val="000000"/>
+                </a:solidFill>
+                <a:effectLst/>
+                <a:latin typeface="Consolas" panose="020B0609020204030204" pitchFamily="49" charset="0"/>
+                <a:ea typeface="Cambria" panose="02040503050406030204" pitchFamily="18" charset="0"/>
+                <a:cs typeface="Times New Roman" panose="02020603050405020304" pitchFamily="18" charset="0"/>
+              </a:rPr>
+              <a:t>hw</a:t>
+            </a:r>
+            <a:r>
+              <a:rPr lang="en-US" sz="1400" dirty="0">
+                <a:solidFill>
+                  <a:srgbClr val="000000"/>
+                </a:solidFill>
+                <a:effectLst/>
+                <a:latin typeface="Consolas" panose="020B0609020204030204" pitchFamily="49" charset="0"/>
+                <a:ea typeface="Cambria" panose="02040503050406030204" pitchFamily="18" charset="0"/>
+                <a:cs typeface="Times New Roman" panose="02020603050405020304" pitchFamily="18" charset="0"/>
+              </a:rPr>
+              <a:t>="lead" pos="VERB"&gt;leading &lt;/w&gt;</a:t>
+            </a:r>
+            <a:br>
+              <a:rPr lang="en-US" sz="1400" dirty="0">
+                <a:solidFill>
+                  <a:srgbClr val="000000"/>
+                </a:solidFill>
+                <a:effectLst/>
+                <a:latin typeface="Consolas" panose="020B0609020204030204" pitchFamily="49" charset="0"/>
+                <a:ea typeface="Cambria" panose="02040503050406030204" pitchFamily="18" charset="0"/>
+                <a:cs typeface="Times New Roman" panose="02020603050405020304" pitchFamily="18" charset="0"/>
+              </a:rPr>
+            </a:br>
+            <a:r>
+              <a:rPr lang="en-US" sz="1400" dirty="0">
+                <a:solidFill>
+                  <a:srgbClr val="000000"/>
+                </a:solidFill>
+                <a:effectLst/>
+                <a:latin typeface="Consolas" panose="020B0609020204030204" pitchFamily="49" charset="0"/>
+                <a:ea typeface="Cambria" panose="02040503050406030204" pitchFamily="18" charset="0"/>
+                <a:cs typeface="Times New Roman" panose="02020603050405020304" pitchFamily="18" charset="0"/>
+              </a:rPr>
+              <a:t>##   &lt;w c5="AT0" </a:t>
+            </a:r>
+            <a:r>
+              <a:rPr lang="en-US" sz="1400" dirty="0" err="1">
+                <a:solidFill>
+                  <a:srgbClr val="000000"/>
+                </a:solidFill>
+                <a:effectLst/>
+                <a:latin typeface="Consolas" panose="020B0609020204030204" pitchFamily="49" charset="0"/>
+                <a:ea typeface="Cambria" panose="02040503050406030204" pitchFamily="18" charset="0"/>
+                <a:cs typeface="Times New Roman" panose="02020603050405020304" pitchFamily="18" charset="0"/>
+              </a:rPr>
+              <a:t>hw</a:t>
+            </a:r>
+            <a:r>
+              <a:rPr lang="en-US" sz="1400" dirty="0">
+                <a:solidFill>
+                  <a:srgbClr val="000000"/>
+                </a:solidFill>
+                <a:effectLst/>
+                <a:latin typeface="Consolas" panose="020B0609020204030204" pitchFamily="49" charset="0"/>
+                <a:ea typeface="Cambria" panose="02040503050406030204" pitchFamily="18" charset="0"/>
+                <a:cs typeface="Times New Roman" panose="02020603050405020304" pitchFamily="18" charset="0"/>
+              </a:rPr>
+              <a:t>="a" pos="ART"&gt;a &lt;/w&gt;</a:t>
+            </a:r>
+            <a:br>
+              <a:rPr lang="en-US" sz="1400" dirty="0">
+                <a:solidFill>
+                  <a:srgbClr val="000000"/>
+                </a:solidFill>
+                <a:effectLst/>
+                <a:latin typeface="Consolas" panose="020B0609020204030204" pitchFamily="49" charset="0"/>
+                <a:ea typeface="Cambria" panose="02040503050406030204" pitchFamily="18" charset="0"/>
+                <a:cs typeface="Times New Roman" panose="02020603050405020304" pitchFamily="18" charset="0"/>
+              </a:rPr>
+            </a:br>
+            <a:r>
+              <a:rPr lang="en-US" sz="1400" dirty="0">
+                <a:solidFill>
+                  <a:srgbClr val="000000"/>
+                </a:solidFill>
+                <a:effectLst/>
+                <a:latin typeface="Consolas" panose="020B0609020204030204" pitchFamily="49" charset="0"/>
+                <a:ea typeface="Cambria" panose="02040503050406030204" pitchFamily="18" charset="0"/>
+                <a:cs typeface="Times New Roman" panose="02020603050405020304" pitchFamily="18" charset="0"/>
+              </a:rPr>
+              <a:t>##   &lt;w c5="NN0" </a:t>
+            </a:r>
+            <a:r>
+              <a:rPr lang="en-US" sz="1400" dirty="0" err="1">
+                <a:solidFill>
+                  <a:srgbClr val="000000"/>
+                </a:solidFill>
+                <a:effectLst/>
+                <a:latin typeface="Consolas" panose="020B0609020204030204" pitchFamily="49" charset="0"/>
+                <a:ea typeface="Cambria" panose="02040503050406030204" pitchFamily="18" charset="0"/>
+                <a:cs typeface="Times New Roman" panose="02020603050405020304" pitchFamily="18" charset="0"/>
+              </a:rPr>
+              <a:t>hw</a:t>
+            </a:r>
+            <a:r>
+              <a:rPr lang="en-US" sz="1400" dirty="0">
+                <a:solidFill>
+                  <a:srgbClr val="000000"/>
+                </a:solidFill>
+                <a:effectLst/>
+                <a:latin typeface="Consolas" panose="020B0609020204030204" pitchFamily="49" charset="0"/>
+                <a:ea typeface="Cambria" panose="02040503050406030204" pitchFamily="18" charset="0"/>
+                <a:cs typeface="Times New Roman" panose="02020603050405020304" pitchFamily="18" charset="0"/>
+              </a:rPr>
+              <a:t>="697m" pos="SUBST"&gt;697m &lt;/w&gt;</a:t>
+            </a:r>
+            <a:br>
+              <a:rPr lang="en-US" sz="1400" dirty="0">
+                <a:solidFill>
+                  <a:srgbClr val="000000"/>
+                </a:solidFill>
+                <a:effectLst/>
+                <a:latin typeface="Consolas" panose="020B0609020204030204" pitchFamily="49" charset="0"/>
+                <a:ea typeface="Cambria" panose="02040503050406030204" pitchFamily="18" charset="0"/>
+                <a:cs typeface="Times New Roman" panose="02020603050405020304" pitchFamily="18" charset="0"/>
+              </a:rPr>
+            </a:br>
+            <a:r>
+              <a:rPr lang="en-US" sz="1400" dirty="0">
+                <a:solidFill>
+                  <a:srgbClr val="000000"/>
+                </a:solidFill>
+                <a:effectLst/>
+                <a:latin typeface="Consolas" panose="020B0609020204030204" pitchFamily="49" charset="0"/>
+                <a:ea typeface="Cambria" panose="02040503050406030204" pitchFamily="18" charset="0"/>
+                <a:cs typeface="Times New Roman" panose="02020603050405020304" pitchFamily="18" charset="0"/>
+              </a:rPr>
+              <a:t>##   &lt;w c5="NN1" </a:t>
+            </a:r>
+            <a:r>
+              <a:rPr lang="en-US" sz="1400" dirty="0" err="1">
+                <a:solidFill>
+                  <a:srgbClr val="000000"/>
+                </a:solidFill>
+                <a:effectLst/>
+                <a:latin typeface="Consolas" panose="020B0609020204030204" pitchFamily="49" charset="0"/>
+                <a:ea typeface="Cambria" panose="02040503050406030204" pitchFamily="18" charset="0"/>
+                <a:cs typeface="Times New Roman" panose="02020603050405020304" pitchFamily="18" charset="0"/>
+              </a:rPr>
+              <a:t>hw</a:t>
+            </a:r>
+            <a:r>
+              <a:rPr lang="en-US" sz="1400" dirty="0">
+                <a:solidFill>
+                  <a:srgbClr val="000000"/>
+                </a:solidFill>
+                <a:effectLst/>
+                <a:latin typeface="Consolas" panose="020B0609020204030204" pitchFamily="49" charset="0"/>
+                <a:ea typeface="Cambria" panose="02040503050406030204" pitchFamily="18" charset="0"/>
+                <a:cs typeface="Times New Roman" panose="02020603050405020304" pitchFamily="18" charset="0"/>
+              </a:rPr>
+              <a:t>="pound" pos="SUBST"&gt;pound &lt;/w&gt;</a:t>
+            </a:r>
+            <a:br>
+              <a:rPr lang="en-US" sz="1400" dirty="0">
+                <a:solidFill>
+                  <a:srgbClr val="000000"/>
+                </a:solidFill>
+                <a:effectLst/>
+                <a:latin typeface="Consolas" panose="020B0609020204030204" pitchFamily="49" charset="0"/>
+                <a:ea typeface="Cambria" panose="02040503050406030204" pitchFamily="18" charset="0"/>
+                <a:cs typeface="Times New Roman" panose="02020603050405020304" pitchFamily="18" charset="0"/>
+              </a:rPr>
+            </a:br>
+            <a:r>
+              <a:rPr lang="en-US" sz="1400" dirty="0">
+                <a:solidFill>
+                  <a:srgbClr val="000000"/>
+                </a:solidFill>
+                <a:effectLst/>
+                <a:latin typeface="Consolas" panose="020B0609020204030204" pitchFamily="49" charset="0"/>
+                <a:ea typeface="Cambria" panose="02040503050406030204" pitchFamily="18" charset="0"/>
+                <a:cs typeface="Times New Roman" panose="02020603050405020304" pitchFamily="18" charset="0"/>
+              </a:rPr>
+              <a:t>##   &lt;w c5="NN1" </a:t>
+            </a:r>
+            <a:r>
+              <a:rPr lang="en-US" sz="1400" dirty="0" err="1">
+                <a:solidFill>
+                  <a:srgbClr val="000000"/>
+                </a:solidFill>
+                <a:effectLst/>
+                <a:latin typeface="Consolas" panose="020B0609020204030204" pitchFamily="49" charset="0"/>
+                <a:ea typeface="Cambria" panose="02040503050406030204" pitchFamily="18" charset="0"/>
+                <a:cs typeface="Times New Roman" panose="02020603050405020304" pitchFamily="18" charset="0"/>
+              </a:rPr>
+              <a:t>hw</a:t>
+            </a:r>
+            <a:r>
+              <a:rPr lang="en-US" sz="1400" dirty="0">
+                <a:solidFill>
+                  <a:srgbClr val="000000"/>
+                </a:solidFill>
+                <a:effectLst/>
+                <a:latin typeface="Consolas" panose="020B0609020204030204" pitchFamily="49" charset="0"/>
+                <a:ea typeface="Cambria" panose="02040503050406030204" pitchFamily="18" charset="0"/>
+                <a:cs typeface="Times New Roman" panose="02020603050405020304" pitchFamily="18" charset="0"/>
+              </a:rPr>
+              <a:t>="break-up" pos="SUBST"&gt;break-up &lt;/w&gt;</a:t>
+            </a:r>
+            <a:br>
+              <a:rPr lang="en-US" sz="1400" dirty="0">
+                <a:solidFill>
+                  <a:srgbClr val="000000"/>
+                </a:solidFill>
+                <a:effectLst/>
+                <a:latin typeface="Consolas" panose="020B0609020204030204" pitchFamily="49" charset="0"/>
+                <a:ea typeface="Cambria" panose="02040503050406030204" pitchFamily="18" charset="0"/>
+                <a:cs typeface="Times New Roman" panose="02020603050405020304" pitchFamily="18" charset="0"/>
+              </a:rPr>
+            </a:br>
+            <a:r>
+              <a:rPr lang="en-US" sz="1400" dirty="0">
+                <a:solidFill>
+                  <a:srgbClr val="000000"/>
+                </a:solidFill>
+                <a:effectLst/>
+                <a:latin typeface="Consolas" panose="020B0609020204030204" pitchFamily="49" charset="0"/>
+                <a:ea typeface="Cambria" panose="02040503050406030204" pitchFamily="18" charset="0"/>
+                <a:cs typeface="Times New Roman" panose="02020603050405020304" pitchFamily="18" charset="0"/>
+              </a:rPr>
+              <a:t>##   &lt;w c5="NN1-VVB" </a:t>
+            </a:r>
+            <a:r>
+              <a:rPr lang="en-US" sz="1400" dirty="0" err="1">
+                <a:solidFill>
+                  <a:srgbClr val="000000"/>
+                </a:solidFill>
+                <a:effectLst/>
+                <a:latin typeface="Consolas" panose="020B0609020204030204" pitchFamily="49" charset="0"/>
+                <a:ea typeface="Cambria" panose="02040503050406030204" pitchFamily="18" charset="0"/>
+                <a:cs typeface="Times New Roman" panose="02020603050405020304" pitchFamily="18" charset="0"/>
+              </a:rPr>
+              <a:t>hw</a:t>
+            </a:r>
+            <a:r>
+              <a:rPr lang="en-US" sz="1400" dirty="0">
+                <a:solidFill>
+                  <a:srgbClr val="000000"/>
+                </a:solidFill>
+                <a:effectLst/>
+                <a:latin typeface="Consolas" panose="020B0609020204030204" pitchFamily="49" charset="0"/>
+                <a:ea typeface="Cambria" panose="02040503050406030204" pitchFamily="18" charset="0"/>
+                <a:cs typeface="Times New Roman" panose="02020603050405020304" pitchFamily="18" charset="0"/>
+              </a:rPr>
+              <a:t>="bid" pos="SUBST"&gt;bid &lt;/w&gt;</a:t>
+            </a:r>
+            <a:br>
+              <a:rPr lang="en-US" sz="1400" dirty="0">
+                <a:solidFill>
+                  <a:srgbClr val="000000"/>
+                </a:solidFill>
+                <a:effectLst/>
+                <a:latin typeface="Consolas" panose="020B0609020204030204" pitchFamily="49" charset="0"/>
+                <a:ea typeface="Cambria" panose="02040503050406030204" pitchFamily="18" charset="0"/>
+                <a:cs typeface="Times New Roman" panose="02020603050405020304" pitchFamily="18" charset="0"/>
+              </a:rPr>
+            </a:br>
+            <a:r>
+              <a:rPr lang="en-US" sz="1400" dirty="0">
+                <a:solidFill>
+                  <a:srgbClr val="000000"/>
+                </a:solidFill>
+                <a:effectLst/>
+                <a:latin typeface="Consolas" panose="020B0609020204030204" pitchFamily="49" charset="0"/>
+                <a:ea typeface="Cambria" panose="02040503050406030204" pitchFamily="18" charset="0"/>
+                <a:cs typeface="Times New Roman" panose="02020603050405020304" pitchFamily="18" charset="0"/>
+              </a:rPr>
+              <a:t>##   &lt;w c5="PRP" </a:t>
+            </a:r>
+            <a:r>
+              <a:rPr lang="en-US" sz="1400" dirty="0" err="1">
+                <a:solidFill>
+                  <a:srgbClr val="000000"/>
+                </a:solidFill>
+                <a:effectLst/>
+                <a:latin typeface="Consolas" panose="020B0609020204030204" pitchFamily="49" charset="0"/>
+                <a:ea typeface="Cambria" panose="02040503050406030204" pitchFamily="18" charset="0"/>
+                <a:cs typeface="Times New Roman" panose="02020603050405020304" pitchFamily="18" charset="0"/>
+              </a:rPr>
+              <a:t>hw</a:t>
+            </a:r>
+            <a:r>
+              <a:rPr lang="en-US" sz="1400" dirty="0">
+                <a:solidFill>
+                  <a:srgbClr val="000000"/>
+                </a:solidFill>
+                <a:effectLst/>
+                <a:latin typeface="Consolas" panose="020B0609020204030204" pitchFamily="49" charset="0"/>
+                <a:ea typeface="Cambria" panose="02040503050406030204" pitchFamily="18" charset="0"/>
+                <a:cs typeface="Times New Roman" panose="02020603050405020304" pitchFamily="18" charset="0"/>
+              </a:rPr>
+              <a:t>="for" pos="PREP"&gt;for &lt;/w&gt;</a:t>
+            </a:r>
+            <a:br>
+              <a:rPr lang="en-US" sz="1400" dirty="0">
+                <a:solidFill>
+                  <a:srgbClr val="000000"/>
+                </a:solidFill>
+                <a:effectLst/>
+                <a:latin typeface="Consolas" panose="020B0609020204030204" pitchFamily="49" charset="0"/>
+                <a:ea typeface="Cambria" panose="02040503050406030204" pitchFamily="18" charset="0"/>
+                <a:cs typeface="Times New Roman" panose="02020603050405020304" pitchFamily="18" charset="0"/>
+              </a:rPr>
+            </a:br>
+            <a:r>
+              <a:rPr lang="en-US" sz="1400" dirty="0">
+                <a:solidFill>
+                  <a:srgbClr val="000000"/>
+                </a:solidFill>
+                <a:effectLst/>
+                <a:latin typeface="Consolas" panose="020B0609020204030204" pitchFamily="49" charset="0"/>
+                <a:ea typeface="Cambria" panose="02040503050406030204" pitchFamily="18" charset="0"/>
+                <a:cs typeface="Times New Roman" panose="02020603050405020304" pitchFamily="18" charset="0"/>
+              </a:rPr>
+              <a:t>##   &lt;w c5="NP0" </a:t>
+            </a:r>
+            <a:r>
+              <a:rPr lang="en-US" sz="1400" dirty="0" err="1">
+                <a:solidFill>
+                  <a:srgbClr val="000000"/>
+                </a:solidFill>
+                <a:effectLst/>
+                <a:latin typeface="Consolas" panose="020B0609020204030204" pitchFamily="49" charset="0"/>
+                <a:ea typeface="Cambria" panose="02040503050406030204" pitchFamily="18" charset="0"/>
+                <a:cs typeface="Times New Roman" panose="02020603050405020304" pitchFamily="18" charset="0"/>
+              </a:rPr>
+              <a:t>hw</a:t>
+            </a:r>
+            <a:r>
+              <a:rPr lang="en-US" sz="1400" dirty="0">
+                <a:solidFill>
+                  <a:srgbClr val="000000"/>
+                </a:solidFill>
+                <a:effectLst/>
+                <a:latin typeface="Consolas" panose="020B0609020204030204" pitchFamily="49" charset="0"/>
+                <a:ea typeface="Cambria" panose="02040503050406030204" pitchFamily="18" charset="0"/>
+                <a:cs typeface="Times New Roman" panose="02020603050405020304" pitchFamily="18" charset="0"/>
+              </a:rPr>
+              <a:t>="</a:t>
+            </a:r>
+            <a:r>
+              <a:rPr lang="en-US" sz="1400" dirty="0" err="1">
+                <a:solidFill>
+                  <a:srgbClr val="000000"/>
+                </a:solidFill>
+                <a:effectLst/>
+                <a:latin typeface="Consolas" panose="020B0609020204030204" pitchFamily="49" charset="0"/>
+                <a:ea typeface="Cambria" panose="02040503050406030204" pitchFamily="18" charset="0"/>
+                <a:cs typeface="Times New Roman" panose="02020603050405020304" pitchFamily="18" charset="0"/>
+              </a:rPr>
+              <a:t>drg</a:t>
+            </a:r>
+            <a:r>
+              <a:rPr lang="en-US" sz="1400" dirty="0">
+                <a:solidFill>
+                  <a:srgbClr val="000000"/>
+                </a:solidFill>
+                <a:effectLst/>
+                <a:latin typeface="Consolas" panose="020B0609020204030204" pitchFamily="49" charset="0"/>
+                <a:ea typeface="Cambria" panose="02040503050406030204" pitchFamily="18" charset="0"/>
+                <a:cs typeface="Times New Roman" panose="02020603050405020304" pitchFamily="18" charset="0"/>
+              </a:rPr>
+              <a:t>" pos="SUBST"&gt;DRG&lt;/w&gt;</a:t>
+            </a:r>
+            <a:br>
+              <a:rPr lang="en-US" sz="1400" dirty="0">
+                <a:solidFill>
+                  <a:srgbClr val="000000"/>
+                </a:solidFill>
+                <a:effectLst/>
+                <a:latin typeface="Consolas" panose="020B0609020204030204" pitchFamily="49" charset="0"/>
+                <a:ea typeface="Cambria" panose="02040503050406030204" pitchFamily="18" charset="0"/>
+                <a:cs typeface="Times New Roman" panose="02020603050405020304" pitchFamily="18" charset="0"/>
+              </a:rPr>
+            </a:br>
+            <a:r>
+              <a:rPr lang="en-US" sz="1400" dirty="0">
+                <a:solidFill>
+                  <a:srgbClr val="000000"/>
+                </a:solidFill>
+                <a:effectLst/>
+                <a:latin typeface="Consolas" panose="020B0609020204030204" pitchFamily="49" charset="0"/>
+                <a:ea typeface="Cambria" panose="02040503050406030204" pitchFamily="18" charset="0"/>
+                <a:cs typeface="Times New Roman" panose="02020603050405020304" pitchFamily="18" charset="0"/>
+              </a:rPr>
+              <a:t>##   &lt;c c5="PUN"&gt;, &lt;/c&gt;</a:t>
+            </a:r>
+            <a:br>
+              <a:rPr lang="en-US" sz="1400" dirty="0">
+                <a:solidFill>
+                  <a:srgbClr val="000000"/>
+                </a:solidFill>
+                <a:effectLst/>
+                <a:latin typeface="Consolas" panose="020B0609020204030204" pitchFamily="49" charset="0"/>
+                <a:ea typeface="Cambria" panose="02040503050406030204" pitchFamily="18" charset="0"/>
+                <a:cs typeface="Times New Roman" panose="02020603050405020304" pitchFamily="18" charset="0"/>
+              </a:rPr>
+            </a:br>
+            <a:r>
+              <a:rPr lang="en-US" sz="1400" dirty="0">
+                <a:solidFill>
+                  <a:srgbClr val="000000"/>
+                </a:solidFill>
+                <a:effectLst/>
+                <a:latin typeface="Consolas" panose="020B0609020204030204" pitchFamily="49" charset="0"/>
+                <a:ea typeface="Cambria" panose="02040503050406030204" pitchFamily="18" charset="0"/>
+                <a:cs typeface="Times New Roman" panose="02020603050405020304" pitchFamily="18" charset="0"/>
+              </a:rPr>
+              <a:t>##   &lt;w c5="NN2-VVZ" </a:t>
+            </a:r>
+            <a:r>
+              <a:rPr lang="en-US" sz="1400" dirty="0" err="1">
+                <a:solidFill>
+                  <a:srgbClr val="000000"/>
+                </a:solidFill>
+                <a:effectLst/>
+                <a:latin typeface="Consolas" panose="020B0609020204030204" pitchFamily="49" charset="0"/>
+                <a:ea typeface="Cambria" panose="02040503050406030204" pitchFamily="18" charset="0"/>
+                <a:cs typeface="Times New Roman" panose="02020603050405020304" pitchFamily="18" charset="0"/>
+              </a:rPr>
+              <a:t>hw</a:t>
+            </a:r>
+            <a:r>
+              <a:rPr lang="en-US" sz="1400" dirty="0">
+                <a:solidFill>
+                  <a:srgbClr val="000000"/>
+                </a:solidFill>
+                <a:effectLst/>
+                <a:latin typeface="Consolas" panose="020B0609020204030204" pitchFamily="49" charset="0"/>
+                <a:ea typeface="Cambria" panose="02040503050406030204" pitchFamily="18" charset="0"/>
+                <a:cs typeface="Times New Roman" panose="02020603050405020304" pitchFamily="18" charset="0"/>
+              </a:rPr>
+              <a:t>="talk" pos="SUBST"&gt;talks &lt;/w&gt;</a:t>
+            </a:r>
+            <a:br>
+              <a:rPr lang="en-US" sz="1400" dirty="0">
+                <a:solidFill>
+                  <a:srgbClr val="000000"/>
+                </a:solidFill>
+                <a:effectLst/>
+                <a:latin typeface="Consolas" panose="020B0609020204030204" pitchFamily="49" charset="0"/>
+                <a:ea typeface="Cambria" panose="02040503050406030204" pitchFamily="18" charset="0"/>
+                <a:cs typeface="Times New Roman" panose="02020603050405020304" pitchFamily="18" charset="0"/>
+              </a:rPr>
+            </a:br>
+            <a:r>
+              <a:rPr lang="en-US" sz="1400" dirty="0">
+                <a:solidFill>
+                  <a:srgbClr val="000000"/>
+                </a:solidFill>
+                <a:effectLst/>
+                <a:latin typeface="Consolas" panose="020B0609020204030204" pitchFamily="49" charset="0"/>
+                <a:ea typeface="Cambria" panose="02040503050406030204" pitchFamily="18" charset="0"/>
+                <a:cs typeface="Times New Roman" panose="02020603050405020304" pitchFamily="18" charset="0"/>
+              </a:rPr>
+              <a:t>##   &lt;w c5="PRP" </a:t>
+            </a:r>
+            <a:r>
+              <a:rPr lang="en-US" sz="1400" dirty="0" err="1">
+                <a:solidFill>
+                  <a:srgbClr val="000000"/>
+                </a:solidFill>
+                <a:effectLst/>
+                <a:latin typeface="Consolas" panose="020B0609020204030204" pitchFamily="49" charset="0"/>
+                <a:ea typeface="Cambria" panose="02040503050406030204" pitchFamily="18" charset="0"/>
+                <a:cs typeface="Times New Roman" panose="02020603050405020304" pitchFamily="18" charset="0"/>
+              </a:rPr>
+              <a:t>hw</a:t>
+            </a:r>
+            <a:r>
+              <a:rPr lang="en-US" sz="1400" dirty="0">
+                <a:solidFill>
+                  <a:srgbClr val="000000"/>
+                </a:solidFill>
+                <a:effectLst/>
+                <a:latin typeface="Consolas" panose="020B0609020204030204" pitchFamily="49" charset="0"/>
+                <a:ea typeface="Cambria" panose="02040503050406030204" pitchFamily="18" charset="0"/>
+                <a:cs typeface="Times New Roman" panose="02020603050405020304" pitchFamily="18" charset="0"/>
+              </a:rPr>
+              <a:t>="to" pos="PREP"&gt;to &lt;/w&gt;</a:t>
+            </a:r>
+            <a:br>
+              <a:rPr lang="en-US" sz="1400" dirty="0">
+                <a:solidFill>
+                  <a:srgbClr val="000000"/>
+                </a:solidFill>
+                <a:effectLst/>
+                <a:latin typeface="Consolas" panose="020B0609020204030204" pitchFamily="49" charset="0"/>
+                <a:ea typeface="Cambria" panose="02040503050406030204" pitchFamily="18" charset="0"/>
+                <a:cs typeface="Times New Roman" panose="02020603050405020304" pitchFamily="18" charset="0"/>
+              </a:rPr>
+            </a:br>
+            <a:r>
+              <a:rPr lang="en-US" sz="1400" dirty="0">
+                <a:solidFill>
+                  <a:srgbClr val="000000"/>
+                </a:solidFill>
+                <a:effectLst/>
+                <a:latin typeface="Consolas" panose="020B0609020204030204" pitchFamily="49" charset="0"/>
+                <a:ea typeface="Cambria" panose="02040503050406030204" pitchFamily="18" charset="0"/>
+                <a:cs typeface="Times New Roman" panose="02020603050405020304" pitchFamily="18" charset="0"/>
+              </a:rPr>
+              <a:t>##   &lt;w c5="NP0" </a:t>
+            </a:r>
+            <a:r>
+              <a:rPr lang="en-US" sz="1400" dirty="0" err="1">
+                <a:solidFill>
+                  <a:srgbClr val="000000"/>
+                </a:solidFill>
+                <a:effectLst/>
+                <a:latin typeface="Consolas" panose="020B0609020204030204" pitchFamily="49" charset="0"/>
+                <a:ea typeface="Cambria" panose="02040503050406030204" pitchFamily="18" charset="0"/>
+                <a:cs typeface="Times New Roman" panose="02020603050405020304" pitchFamily="18" charset="0"/>
+              </a:rPr>
+              <a:t>hw</a:t>
+            </a:r>
+            <a:r>
+              <a:rPr lang="en-US" sz="1400" dirty="0">
+                <a:solidFill>
+                  <a:srgbClr val="000000"/>
+                </a:solidFill>
+                <a:effectLst/>
+                <a:latin typeface="Consolas" panose="020B0609020204030204" pitchFamily="49" charset="0"/>
+                <a:ea typeface="Cambria" panose="02040503050406030204" pitchFamily="18" charset="0"/>
+                <a:cs typeface="Times New Roman" panose="02020603050405020304" pitchFamily="18" charset="0"/>
+              </a:rPr>
+              <a:t>="frank" pos="SUBST"&gt;Frank &lt;/w&gt;</a:t>
+            </a:r>
+            <a:br>
+              <a:rPr lang="en-US" sz="1400" dirty="0">
+                <a:solidFill>
+                  <a:srgbClr val="000000"/>
+                </a:solidFill>
+                <a:effectLst/>
+                <a:latin typeface="Consolas" panose="020B0609020204030204" pitchFamily="49" charset="0"/>
+                <a:ea typeface="Cambria" panose="02040503050406030204" pitchFamily="18" charset="0"/>
+                <a:cs typeface="Times New Roman" panose="02020603050405020304" pitchFamily="18" charset="0"/>
+              </a:rPr>
+            </a:br>
+            <a:r>
+              <a:rPr lang="en-US" sz="1400" dirty="0">
+                <a:solidFill>
+                  <a:srgbClr val="000000"/>
+                </a:solidFill>
+                <a:effectLst/>
+                <a:latin typeface="Consolas" panose="020B0609020204030204" pitchFamily="49" charset="0"/>
+                <a:ea typeface="Cambria" panose="02040503050406030204" pitchFamily="18" charset="0"/>
+                <a:cs typeface="Times New Roman" panose="02020603050405020304" pitchFamily="18" charset="0"/>
+              </a:rPr>
+              <a:t>##   &lt;w c5="NP0" </a:t>
+            </a:r>
+            <a:r>
+              <a:rPr lang="en-US" sz="1400" dirty="0" err="1">
+                <a:solidFill>
+                  <a:srgbClr val="000000"/>
+                </a:solidFill>
+                <a:effectLst/>
+                <a:latin typeface="Consolas" panose="020B0609020204030204" pitchFamily="49" charset="0"/>
+                <a:ea typeface="Cambria" panose="02040503050406030204" pitchFamily="18" charset="0"/>
+                <a:cs typeface="Times New Roman" panose="02020603050405020304" pitchFamily="18" charset="0"/>
+              </a:rPr>
+              <a:t>hw</a:t>
+            </a:r>
+            <a:r>
+              <a:rPr lang="en-US" sz="1400" dirty="0">
+                <a:solidFill>
+                  <a:srgbClr val="000000"/>
+                </a:solidFill>
+                <a:effectLst/>
+                <a:latin typeface="Consolas" panose="020B0609020204030204" pitchFamily="49" charset="0"/>
+                <a:ea typeface="Cambria" panose="02040503050406030204" pitchFamily="18" charset="0"/>
+                <a:cs typeface="Times New Roman" panose="02020603050405020304" pitchFamily="18" charset="0"/>
+              </a:rPr>
+              <a:t>="</a:t>
+            </a:r>
+            <a:r>
+              <a:rPr lang="en-US" sz="1400" dirty="0" err="1">
+                <a:solidFill>
+                  <a:srgbClr val="000000"/>
+                </a:solidFill>
+                <a:effectLst/>
+                <a:latin typeface="Consolas" panose="020B0609020204030204" pitchFamily="49" charset="0"/>
+                <a:ea typeface="Cambria" panose="02040503050406030204" pitchFamily="18" charset="0"/>
+                <a:cs typeface="Times New Roman" panose="02020603050405020304" pitchFamily="18" charset="0"/>
+              </a:rPr>
+              <a:t>kane</a:t>
+            </a:r>
+            <a:r>
+              <a:rPr lang="en-US" sz="1400" dirty="0">
+                <a:solidFill>
+                  <a:srgbClr val="000000"/>
+                </a:solidFill>
+                <a:effectLst/>
+                <a:latin typeface="Consolas" panose="020B0609020204030204" pitchFamily="49" charset="0"/>
+                <a:ea typeface="Cambria" panose="02040503050406030204" pitchFamily="18" charset="0"/>
+                <a:cs typeface="Times New Roman" panose="02020603050405020304" pitchFamily="18" charset="0"/>
+              </a:rPr>
+              <a:t>" pos="SUBST"&gt;Kane&lt;/w&gt;</a:t>
+            </a:r>
+            <a:br>
+              <a:rPr lang="en-US" sz="1400" dirty="0">
+                <a:solidFill>
+                  <a:srgbClr val="000000"/>
+                </a:solidFill>
+                <a:effectLst/>
+                <a:latin typeface="Consolas" panose="020B0609020204030204" pitchFamily="49" charset="0"/>
+                <a:ea typeface="Cambria" panose="02040503050406030204" pitchFamily="18" charset="0"/>
+                <a:cs typeface="Times New Roman" panose="02020603050405020304" pitchFamily="18" charset="0"/>
+              </a:rPr>
+            </a:br>
+            <a:r>
+              <a:rPr lang="en-US" sz="1400" dirty="0">
+                <a:solidFill>
+                  <a:srgbClr val="000000"/>
+                </a:solidFill>
+                <a:effectLst/>
+                <a:latin typeface="Consolas" panose="020B0609020204030204" pitchFamily="49" charset="0"/>
+                <a:ea typeface="Cambria" panose="02040503050406030204" pitchFamily="18" charset="0"/>
+                <a:cs typeface="Times New Roman" panose="02020603050405020304" pitchFamily="18" charset="0"/>
+              </a:rPr>
+              <a:t>## &lt;/s&gt;</a:t>
+            </a:r>
+            <a:endParaRPr lang="en-US" sz="1400" dirty="0">
+              <a:effectLst/>
+              <a:latin typeface="Consolas" panose="020B0609020204030204" pitchFamily="49" charset="0"/>
+              <a:ea typeface="Cambria" panose="02040503050406030204" pitchFamily="18" charset="0"/>
+              <a:cs typeface="Times New Roman" panose="02020603050405020304" pitchFamily="18" charset="0"/>
+            </a:endParaRPr>
+          </a:p>
+        </p:txBody>
+      </p:sp>
+    </p:spTree>
+    <p:extLst>
+      <p:ext uri="{BB962C8B-B14F-4D97-AF65-F5344CB8AC3E}">
+        <p14:creationId xmlns:p14="http://schemas.microsoft.com/office/powerpoint/2010/main" val="2887839247"/>
+      </p:ext>
+    </p:extLst>
+  </p:cSld>
+  <p:clrMapOvr>
+    <a:masterClrMapping/>
+  </p:clrMapOvr>
+</p:sld>
+</file>
+
+<file path=ppt/slides/slide28.xml><?xml version="1.0" encoding="utf-8"?>
+<p:sld xmlns:a="http://schemas.openxmlformats.org/drawingml/2006/main" xmlns:r="http://schemas.openxmlformats.org/officeDocument/2006/relationships" xmlns:p="http://schemas.openxmlformats.org/presentationml/2006/main">
+  <p:cSld>
+    <p:spTree>
+      <p:nvGrpSpPr>
+        <p:cNvPr id="1" name=""/>
+        <p:cNvGrpSpPr/>
+        <p:nvPr/>
+      </p:nvGrpSpPr>
+      <p:grpSpPr>
+        <a:xfrm>
+          <a:off x="0" y="0"/>
+          <a:ext cx="0" cy="0"/>
+          <a:chOff x="0" y="0"/>
+          <a:chExt cx="0" cy="0"/>
+        </a:xfrm>
+      </p:grpSpPr>
+      <p:sp>
+        <p:nvSpPr>
+          <p:cNvPr id="7" name="TextBox 6">
+            <a:extLst>
+              <a:ext uri="{FF2B5EF4-FFF2-40B4-BE49-F238E27FC236}">
+                <a16:creationId xmlns:a16="http://schemas.microsoft.com/office/drawing/2014/main" id="{8B7D1BEB-E54A-6D85-F52E-3D10C8216180}"/>
+              </a:ext>
+            </a:extLst>
+          </p:cNvPr>
+          <p:cNvSpPr txBox="1"/>
+          <p:nvPr/>
+        </p:nvSpPr>
+        <p:spPr>
+          <a:xfrm>
+            <a:off x="716123" y="487745"/>
+            <a:ext cx="7121591" cy="5391219"/>
+          </a:xfrm>
+          <a:prstGeom prst="rect">
+            <a:avLst/>
+          </a:prstGeom>
+          <a:noFill/>
+          <a:ln>
+            <a:solidFill>
+              <a:schemeClr val="tx1"/>
+            </a:solidFill>
+          </a:ln>
+        </p:spPr>
+        <p:txBody>
+          <a:bodyPr wrap="square">
+            <a:spAutoFit/>
+          </a:bodyPr>
+          <a:lstStyle/>
+          <a:p>
+            <a:pPr marL="0" marR="0" latinLnBrk="1">
+              <a:spcBef>
+                <a:spcPts val="0"/>
+              </a:spcBef>
+              <a:spcAft>
+                <a:spcPts val="1000"/>
+              </a:spcAft>
+            </a:pPr>
+            <a:r>
+              <a:rPr lang="en-US" sz="1600" dirty="0">
+                <a:solidFill>
+                  <a:srgbClr val="000000"/>
+                </a:solidFill>
+                <a:effectLst/>
+                <a:latin typeface="Consolas" panose="020B0609020204030204" pitchFamily="49" charset="0"/>
+                <a:ea typeface="Cambria" panose="02040503050406030204" pitchFamily="18" charset="0"/>
+                <a:cs typeface="Times New Roman" panose="02020603050405020304" pitchFamily="18" charset="0"/>
+              </a:rPr>
+              <a:t>words </a:t>
+            </a:r>
+            <a:r>
+              <a:rPr lang="en-US" sz="1600" dirty="0">
+                <a:solidFill>
+                  <a:srgbClr val="8F5902"/>
+                </a:solidFill>
+                <a:effectLst/>
+                <a:latin typeface="Consolas" panose="020B0609020204030204" pitchFamily="49" charset="0"/>
+                <a:ea typeface="Cambria" panose="02040503050406030204" pitchFamily="18" charset="0"/>
+                <a:cs typeface="Times New Roman" panose="02020603050405020304" pitchFamily="18" charset="0"/>
+              </a:rPr>
+              <a:t>&lt;-</a:t>
+            </a:r>
+            <a:r>
+              <a:rPr lang="en-US" sz="1600" dirty="0">
+                <a:solidFill>
+                  <a:srgbClr val="000000"/>
+                </a:solidFill>
+                <a:effectLst/>
+                <a:latin typeface="Consolas" panose="020B0609020204030204" pitchFamily="49" charset="0"/>
+                <a:ea typeface="Cambria" panose="02040503050406030204" pitchFamily="18" charset="0"/>
+                <a:cs typeface="Times New Roman" panose="02020603050405020304" pitchFamily="18" charset="0"/>
+              </a:rPr>
+              <a:t> </a:t>
+            </a:r>
+            <a:r>
+              <a:rPr lang="en-US" sz="1600" b="1" dirty="0" err="1">
+                <a:solidFill>
+                  <a:srgbClr val="204A87"/>
+                </a:solidFill>
+                <a:effectLst/>
+                <a:latin typeface="Consolas" panose="020B0609020204030204" pitchFamily="49" charset="0"/>
+                <a:ea typeface="Cambria" panose="02040503050406030204" pitchFamily="18" charset="0"/>
+                <a:cs typeface="Times New Roman" panose="02020603050405020304" pitchFamily="18" charset="0"/>
+              </a:rPr>
+              <a:t>xmlChildren</a:t>
+            </a:r>
+            <a:r>
+              <a:rPr lang="en-US" sz="1600" dirty="0">
+                <a:solidFill>
+                  <a:srgbClr val="000000"/>
+                </a:solidFill>
+                <a:effectLst/>
+                <a:latin typeface="Consolas" panose="020B0609020204030204" pitchFamily="49" charset="0"/>
+                <a:ea typeface="Cambria" panose="02040503050406030204" pitchFamily="18" charset="0"/>
+                <a:cs typeface="Times New Roman" panose="02020603050405020304" pitchFamily="18" charset="0"/>
+              </a:rPr>
+              <a:t>(sentence_01[[</a:t>
+            </a:r>
+            <a:r>
+              <a:rPr lang="en-US" sz="1600" dirty="0">
+                <a:solidFill>
+                  <a:srgbClr val="0000CF"/>
+                </a:solidFill>
+                <a:effectLst/>
+                <a:latin typeface="Consolas" panose="020B0609020204030204" pitchFamily="49" charset="0"/>
+                <a:ea typeface="Cambria" panose="02040503050406030204" pitchFamily="18" charset="0"/>
+                <a:cs typeface="Times New Roman" panose="02020603050405020304" pitchFamily="18" charset="0"/>
+              </a:rPr>
+              <a:t>1</a:t>
+            </a:r>
+            <a:r>
+              <a:rPr lang="en-US" sz="1600" dirty="0">
+                <a:solidFill>
+                  <a:srgbClr val="000000"/>
+                </a:solidFill>
+                <a:effectLst/>
+                <a:latin typeface="Consolas" panose="020B0609020204030204" pitchFamily="49" charset="0"/>
+                <a:ea typeface="Cambria" panose="02040503050406030204" pitchFamily="18" charset="0"/>
+                <a:cs typeface="Times New Roman" panose="02020603050405020304" pitchFamily="18" charset="0"/>
+              </a:rPr>
+              <a:t>]])</a:t>
+            </a:r>
+            <a:br>
+              <a:rPr lang="en-US" sz="1600" dirty="0">
+                <a:solidFill>
+                  <a:srgbClr val="000000"/>
+                </a:solidFill>
+                <a:effectLst/>
+                <a:latin typeface="Consolas" panose="020B0609020204030204" pitchFamily="49" charset="0"/>
+                <a:ea typeface="Cambria" panose="02040503050406030204" pitchFamily="18" charset="0"/>
+                <a:cs typeface="Times New Roman" panose="02020603050405020304" pitchFamily="18" charset="0"/>
+              </a:rPr>
+            </a:br>
+            <a:r>
+              <a:rPr lang="en-US" sz="1600" dirty="0">
+                <a:solidFill>
+                  <a:srgbClr val="000000"/>
+                </a:solidFill>
+                <a:effectLst/>
+                <a:latin typeface="Consolas" panose="020B0609020204030204" pitchFamily="49" charset="0"/>
+                <a:ea typeface="Cambria" panose="02040503050406030204" pitchFamily="18" charset="0"/>
+                <a:cs typeface="Times New Roman" panose="02020603050405020304" pitchFamily="18" charset="0"/>
+              </a:rPr>
+              <a:t>words</a:t>
+            </a:r>
+            <a:endParaRPr lang="en-US" sz="1600" dirty="0">
+              <a:effectLst/>
+              <a:latin typeface="Consolas" panose="020B0609020204030204" pitchFamily="49" charset="0"/>
+              <a:ea typeface="Cambria" panose="02040503050406030204" pitchFamily="18" charset="0"/>
+              <a:cs typeface="Times New Roman" panose="02020603050405020304" pitchFamily="18" charset="0"/>
+            </a:endParaRPr>
+          </a:p>
+          <a:p>
+            <a:r>
+              <a:rPr lang="en-US" sz="1600" dirty="0">
+                <a:solidFill>
+                  <a:srgbClr val="000000"/>
+                </a:solidFill>
+                <a:effectLst/>
+                <a:latin typeface="Consolas" panose="020B0609020204030204" pitchFamily="49" charset="0"/>
+                <a:ea typeface="Cambria" panose="02040503050406030204" pitchFamily="18" charset="0"/>
+                <a:cs typeface="Times New Roman" panose="02020603050405020304" pitchFamily="18" charset="0"/>
+              </a:rPr>
+              <a:t>## $w</a:t>
+            </a:r>
+            <a:br>
+              <a:rPr lang="en-US" sz="1600" dirty="0">
+                <a:effectLst/>
+                <a:latin typeface="Cambria" panose="02040503050406030204" pitchFamily="18" charset="0"/>
+                <a:ea typeface="Cambria" panose="02040503050406030204" pitchFamily="18" charset="0"/>
+                <a:cs typeface="Times New Roman" panose="02020603050405020304" pitchFamily="18" charset="0"/>
+              </a:rPr>
+            </a:br>
+            <a:r>
+              <a:rPr lang="en-US" sz="1600" dirty="0">
+                <a:solidFill>
+                  <a:srgbClr val="000000"/>
+                </a:solidFill>
+                <a:effectLst/>
+                <a:latin typeface="Consolas" panose="020B0609020204030204" pitchFamily="49" charset="0"/>
+                <a:ea typeface="Cambria" panose="02040503050406030204" pitchFamily="18" charset="0"/>
+                <a:cs typeface="Times New Roman" panose="02020603050405020304" pitchFamily="18" charset="0"/>
+              </a:rPr>
+              <a:t>## &lt;w c5="AJS" </a:t>
+            </a:r>
+            <a:r>
+              <a:rPr lang="en-US" sz="1600" dirty="0" err="1">
+                <a:solidFill>
+                  <a:srgbClr val="000000"/>
+                </a:solidFill>
+                <a:effectLst/>
+                <a:latin typeface="Consolas" panose="020B0609020204030204" pitchFamily="49" charset="0"/>
+                <a:ea typeface="Cambria" panose="02040503050406030204" pitchFamily="18" charset="0"/>
+                <a:cs typeface="Times New Roman" panose="02020603050405020304" pitchFamily="18" charset="0"/>
+              </a:rPr>
+              <a:t>hw</a:t>
+            </a:r>
+            <a:r>
+              <a:rPr lang="en-US" sz="1600" dirty="0">
+                <a:solidFill>
+                  <a:srgbClr val="000000"/>
+                </a:solidFill>
+                <a:effectLst/>
+                <a:latin typeface="Consolas" panose="020B0609020204030204" pitchFamily="49" charset="0"/>
+                <a:ea typeface="Cambria" panose="02040503050406030204" pitchFamily="18" charset="0"/>
+                <a:cs typeface="Times New Roman" panose="02020603050405020304" pitchFamily="18" charset="0"/>
+              </a:rPr>
+              <a:t>="late" pos="ADJ"&gt;Latest &lt;/w&gt; </a:t>
+            </a:r>
+            <a:br>
+              <a:rPr lang="en-US" sz="1600" dirty="0">
+                <a:effectLst/>
+                <a:latin typeface="Cambria" panose="02040503050406030204" pitchFamily="18" charset="0"/>
+                <a:ea typeface="Cambria" panose="02040503050406030204" pitchFamily="18" charset="0"/>
+                <a:cs typeface="Times New Roman" panose="02020603050405020304" pitchFamily="18" charset="0"/>
+              </a:rPr>
+            </a:br>
+            <a:r>
+              <a:rPr lang="en-US" sz="1600" dirty="0">
+                <a:solidFill>
+                  <a:srgbClr val="000000"/>
+                </a:solidFill>
+                <a:effectLst/>
+                <a:latin typeface="Consolas" panose="020B0609020204030204" pitchFamily="49" charset="0"/>
+                <a:ea typeface="Cambria" panose="02040503050406030204" pitchFamily="18" charset="0"/>
+                <a:cs typeface="Times New Roman" panose="02020603050405020304" pitchFamily="18" charset="0"/>
+              </a:rPr>
+              <a:t>## </a:t>
+            </a:r>
+            <a:br>
+              <a:rPr lang="en-US" sz="1600" dirty="0">
+                <a:effectLst/>
+                <a:latin typeface="Cambria" panose="02040503050406030204" pitchFamily="18" charset="0"/>
+                <a:ea typeface="Cambria" panose="02040503050406030204" pitchFamily="18" charset="0"/>
+                <a:cs typeface="Times New Roman" panose="02020603050405020304" pitchFamily="18" charset="0"/>
+              </a:rPr>
+            </a:br>
+            <a:r>
+              <a:rPr lang="en-US" sz="1600" dirty="0">
+                <a:solidFill>
+                  <a:srgbClr val="000000"/>
+                </a:solidFill>
+                <a:effectLst/>
+                <a:latin typeface="Consolas" panose="020B0609020204030204" pitchFamily="49" charset="0"/>
+                <a:ea typeface="Cambria" panose="02040503050406030204" pitchFamily="18" charset="0"/>
+                <a:cs typeface="Times New Roman" panose="02020603050405020304" pitchFamily="18" charset="0"/>
+              </a:rPr>
+              <a:t>## $w</a:t>
+            </a:r>
+            <a:br>
+              <a:rPr lang="en-US" sz="1600" dirty="0">
+                <a:effectLst/>
+                <a:latin typeface="Cambria" panose="02040503050406030204" pitchFamily="18" charset="0"/>
+                <a:ea typeface="Cambria" panose="02040503050406030204" pitchFamily="18" charset="0"/>
+                <a:cs typeface="Times New Roman" panose="02020603050405020304" pitchFamily="18" charset="0"/>
+              </a:rPr>
+            </a:br>
+            <a:r>
+              <a:rPr lang="en-US" sz="1600" dirty="0">
+                <a:solidFill>
+                  <a:srgbClr val="000000"/>
+                </a:solidFill>
+                <a:effectLst/>
+                <a:latin typeface="Consolas" panose="020B0609020204030204" pitchFamily="49" charset="0"/>
+                <a:ea typeface="Cambria" panose="02040503050406030204" pitchFamily="18" charset="0"/>
+                <a:cs typeface="Times New Roman" panose="02020603050405020304" pitchFamily="18" charset="0"/>
+              </a:rPr>
+              <a:t>## &lt;w c5="AJ0" </a:t>
+            </a:r>
+            <a:r>
+              <a:rPr lang="en-US" sz="1600" dirty="0" err="1">
+                <a:solidFill>
+                  <a:srgbClr val="000000"/>
+                </a:solidFill>
+                <a:effectLst/>
+                <a:latin typeface="Consolas" panose="020B0609020204030204" pitchFamily="49" charset="0"/>
+                <a:ea typeface="Cambria" panose="02040503050406030204" pitchFamily="18" charset="0"/>
+                <a:cs typeface="Times New Roman" panose="02020603050405020304" pitchFamily="18" charset="0"/>
+              </a:rPr>
+              <a:t>hw</a:t>
+            </a:r>
+            <a:r>
+              <a:rPr lang="en-US" sz="1600" dirty="0">
+                <a:solidFill>
+                  <a:srgbClr val="000000"/>
+                </a:solidFill>
+                <a:effectLst/>
+                <a:latin typeface="Consolas" panose="020B0609020204030204" pitchFamily="49" charset="0"/>
+                <a:ea typeface="Cambria" panose="02040503050406030204" pitchFamily="18" charset="0"/>
+                <a:cs typeface="Times New Roman" panose="02020603050405020304" pitchFamily="18" charset="0"/>
+              </a:rPr>
+              <a:t>="corporate" pos="ADJ"&gt;corporate &lt;/w&gt; </a:t>
+            </a:r>
+            <a:br>
+              <a:rPr lang="en-US" sz="1600" dirty="0">
+                <a:effectLst/>
+                <a:latin typeface="Cambria" panose="02040503050406030204" pitchFamily="18" charset="0"/>
+                <a:ea typeface="Cambria" panose="02040503050406030204" pitchFamily="18" charset="0"/>
+                <a:cs typeface="Times New Roman" panose="02020603050405020304" pitchFamily="18" charset="0"/>
+              </a:rPr>
+            </a:br>
+            <a:r>
+              <a:rPr lang="en-US" sz="1600" dirty="0">
+                <a:solidFill>
+                  <a:srgbClr val="000000"/>
+                </a:solidFill>
+                <a:effectLst/>
+                <a:latin typeface="Consolas" panose="020B0609020204030204" pitchFamily="49" charset="0"/>
+                <a:ea typeface="Cambria" panose="02040503050406030204" pitchFamily="18" charset="0"/>
+                <a:cs typeface="Times New Roman" panose="02020603050405020304" pitchFamily="18" charset="0"/>
+              </a:rPr>
+              <a:t>## </a:t>
+            </a:r>
+            <a:br>
+              <a:rPr lang="en-US" sz="1600" dirty="0">
+                <a:effectLst/>
+                <a:latin typeface="Cambria" panose="02040503050406030204" pitchFamily="18" charset="0"/>
+                <a:ea typeface="Cambria" panose="02040503050406030204" pitchFamily="18" charset="0"/>
+                <a:cs typeface="Times New Roman" panose="02020603050405020304" pitchFamily="18" charset="0"/>
+              </a:rPr>
+            </a:br>
+            <a:r>
+              <a:rPr lang="en-US" sz="1600" dirty="0">
+                <a:solidFill>
+                  <a:srgbClr val="000000"/>
+                </a:solidFill>
+                <a:effectLst/>
+                <a:latin typeface="Consolas" panose="020B0609020204030204" pitchFamily="49" charset="0"/>
+                <a:ea typeface="Cambria" panose="02040503050406030204" pitchFamily="18" charset="0"/>
+                <a:cs typeface="Times New Roman" panose="02020603050405020304" pitchFamily="18" charset="0"/>
+              </a:rPr>
+              <a:t>## $w</a:t>
+            </a:r>
+            <a:br>
+              <a:rPr lang="en-US" sz="1600" dirty="0">
+                <a:effectLst/>
+                <a:latin typeface="Cambria" panose="02040503050406030204" pitchFamily="18" charset="0"/>
+                <a:ea typeface="Cambria" panose="02040503050406030204" pitchFamily="18" charset="0"/>
+                <a:cs typeface="Times New Roman" panose="02020603050405020304" pitchFamily="18" charset="0"/>
+              </a:rPr>
+            </a:br>
+            <a:r>
+              <a:rPr lang="en-US" sz="1600" dirty="0">
+                <a:solidFill>
+                  <a:srgbClr val="000000"/>
+                </a:solidFill>
+                <a:effectLst/>
+                <a:latin typeface="Consolas" panose="020B0609020204030204" pitchFamily="49" charset="0"/>
+                <a:ea typeface="Cambria" panose="02040503050406030204" pitchFamily="18" charset="0"/>
+                <a:cs typeface="Times New Roman" panose="02020603050405020304" pitchFamily="18" charset="0"/>
+              </a:rPr>
+              <a:t>## &lt;w c5="NN1" </a:t>
+            </a:r>
+            <a:r>
+              <a:rPr lang="en-US" sz="1600" dirty="0" err="1">
+                <a:solidFill>
+                  <a:srgbClr val="000000"/>
+                </a:solidFill>
+                <a:effectLst/>
+                <a:latin typeface="Consolas" panose="020B0609020204030204" pitchFamily="49" charset="0"/>
+                <a:ea typeface="Cambria" panose="02040503050406030204" pitchFamily="18" charset="0"/>
+                <a:cs typeface="Times New Roman" panose="02020603050405020304" pitchFamily="18" charset="0"/>
+              </a:rPr>
+              <a:t>hw</a:t>
+            </a:r>
+            <a:r>
+              <a:rPr lang="en-US" sz="1600" dirty="0">
+                <a:solidFill>
+                  <a:srgbClr val="000000"/>
+                </a:solidFill>
+                <a:effectLst/>
+                <a:latin typeface="Consolas" panose="020B0609020204030204" pitchFamily="49" charset="0"/>
+                <a:ea typeface="Cambria" panose="02040503050406030204" pitchFamily="18" charset="0"/>
+                <a:cs typeface="Times New Roman" panose="02020603050405020304" pitchFamily="18" charset="0"/>
+              </a:rPr>
+              <a:t>="unbundler" pos="SUBST"&gt;unbundler &lt;/w&gt; </a:t>
+            </a:r>
+            <a:br>
+              <a:rPr lang="en-US" sz="1600" dirty="0">
+                <a:effectLst/>
+                <a:latin typeface="Cambria" panose="02040503050406030204" pitchFamily="18" charset="0"/>
+                <a:ea typeface="Cambria" panose="02040503050406030204" pitchFamily="18" charset="0"/>
+                <a:cs typeface="Times New Roman" panose="02020603050405020304" pitchFamily="18" charset="0"/>
+              </a:rPr>
+            </a:br>
+            <a:r>
+              <a:rPr lang="en-US" sz="1600" dirty="0">
+                <a:solidFill>
+                  <a:srgbClr val="000000"/>
+                </a:solidFill>
+                <a:effectLst/>
+                <a:latin typeface="Consolas" panose="020B0609020204030204" pitchFamily="49" charset="0"/>
+                <a:ea typeface="Cambria" panose="02040503050406030204" pitchFamily="18" charset="0"/>
+                <a:cs typeface="Times New Roman" panose="02020603050405020304" pitchFamily="18" charset="0"/>
+              </a:rPr>
+              <a:t>## </a:t>
+            </a:r>
+            <a:br>
+              <a:rPr lang="en-US" sz="1600" dirty="0">
+                <a:effectLst/>
+                <a:latin typeface="Cambria" panose="02040503050406030204" pitchFamily="18" charset="0"/>
+                <a:ea typeface="Cambria" panose="02040503050406030204" pitchFamily="18" charset="0"/>
+                <a:cs typeface="Times New Roman" panose="02020603050405020304" pitchFamily="18" charset="0"/>
+              </a:rPr>
+            </a:br>
+            <a:r>
+              <a:rPr lang="en-US" sz="1600" dirty="0">
+                <a:solidFill>
+                  <a:srgbClr val="000000"/>
+                </a:solidFill>
+                <a:effectLst/>
+                <a:latin typeface="Consolas" panose="020B0609020204030204" pitchFamily="49" charset="0"/>
+                <a:ea typeface="Cambria" panose="02040503050406030204" pitchFamily="18" charset="0"/>
+                <a:cs typeface="Times New Roman" panose="02020603050405020304" pitchFamily="18" charset="0"/>
+              </a:rPr>
+              <a:t>## $w</a:t>
+            </a:r>
+            <a:br>
+              <a:rPr lang="en-US" sz="1600" dirty="0">
+                <a:effectLst/>
+                <a:latin typeface="Cambria" panose="02040503050406030204" pitchFamily="18" charset="0"/>
+                <a:ea typeface="Cambria" panose="02040503050406030204" pitchFamily="18" charset="0"/>
+                <a:cs typeface="Times New Roman" panose="02020603050405020304" pitchFamily="18" charset="0"/>
+              </a:rPr>
+            </a:br>
+            <a:r>
+              <a:rPr lang="en-US" sz="1600" dirty="0">
+                <a:solidFill>
+                  <a:srgbClr val="000000"/>
+                </a:solidFill>
+                <a:effectLst/>
+                <a:latin typeface="Consolas" panose="020B0609020204030204" pitchFamily="49" charset="0"/>
+                <a:ea typeface="Cambria" panose="02040503050406030204" pitchFamily="18" charset="0"/>
+                <a:cs typeface="Times New Roman" panose="02020603050405020304" pitchFamily="18" charset="0"/>
+              </a:rPr>
+              <a:t>## &lt;w c5="VVZ" </a:t>
+            </a:r>
+            <a:r>
+              <a:rPr lang="en-US" sz="1600" dirty="0" err="1">
+                <a:solidFill>
+                  <a:srgbClr val="000000"/>
+                </a:solidFill>
+                <a:effectLst/>
+                <a:latin typeface="Consolas" panose="020B0609020204030204" pitchFamily="49" charset="0"/>
+                <a:ea typeface="Cambria" panose="02040503050406030204" pitchFamily="18" charset="0"/>
+                <a:cs typeface="Times New Roman" panose="02020603050405020304" pitchFamily="18" charset="0"/>
+              </a:rPr>
+              <a:t>hw</a:t>
+            </a:r>
+            <a:r>
+              <a:rPr lang="en-US" sz="1600" dirty="0">
+                <a:solidFill>
+                  <a:srgbClr val="000000"/>
+                </a:solidFill>
+                <a:effectLst/>
+                <a:latin typeface="Consolas" panose="020B0609020204030204" pitchFamily="49" charset="0"/>
+                <a:ea typeface="Cambria" panose="02040503050406030204" pitchFamily="18" charset="0"/>
+                <a:cs typeface="Times New Roman" panose="02020603050405020304" pitchFamily="18" charset="0"/>
+              </a:rPr>
+              <a:t>="reveal" pos="VERB"&gt;reveals &lt;/w&gt; </a:t>
+            </a:r>
+            <a:br>
+              <a:rPr lang="en-US" sz="1600" dirty="0">
+                <a:effectLst/>
+                <a:latin typeface="Cambria" panose="02040503050406030204" pitchFamily="18" charset="0"/>
+                <a:ea typeface="Cambria" panose="02040503050406030204" pitchFamily="18" charset="0"/>
+                <a:cs typeface="Times New Roman" panose="02020603050405020304" pitchFamily="18" charset="0"/>
+              </a:rPr>
+            </a:br>
+            <a:r>
+              <a:rPr lang="en-US" sz="1600" dirty="0">
+                <a:solidFill>
+                  <a:srgbClr val="000000"/>
+                </a:solidFill>
+                <a:effectLst/>
+                <a:latin typeface="Consolas" panose="020B0609020204030204" pitchFamily="49" charset="0"/>
+                <a:ea typeface="Cambria" panose="02040503050406030204" pitchFamily="18" charset="0"/>
+                <a:cs typeface="Times New Roman" panose="02020603050405020304" pitchFamily="18" charset="0"/>
+              </a:rPr>
+              <a:t>## </a:t>
+            </a:r>
+            <a:br>
+              <a:rPr lang="en-US" sz="1600" dirty="0">
+                <a:effectLst/>
+                <a:latin typeface="Cambria" panose="02040503050406030204" pitchFamily="18" charset="0"/>
+                <a:ea typeface="Cambria" panose="02040503050406030204" pitchFamily="18" charset="0"/>
+                <a:cs typeface="Times New Roman" panose="02020603050405020304" pitchFamily="18" charset="0"/>
+              </a:rPr>
+            </a:br>
+            <a:r>
+              <a:rPr lang="en-US" sz="1600" dirty="0">
+                <a:solidFill>
+                  <a:srgbClr val="000000"/>
+                </a:solidFill>
+                <a:effectLst/>
+                <a:latin typeface="Consolas" panose="020B0609020204030204" pitchFamily="49" charset="0"/>
+                <a:ea typeface="Cambria" panose="02040503050406030204" pitchFamily="18" charset="0"/>
+                <a:cs typeface="Times New Roman" panose="02020603050405020304" pitchFamily="18" charset="0"/>
+              </a:rPr>
+              <a:t>## $w</a:t>
+            </a:r>
+            <a:br>
+              <a:rPr lang="en-US" sz="1600" dirty="0">
+                <a:effectLst/>
+                <a:latin typeface="Cambria" panose="02040503050406030204" pitchFamily="18" charset="0"/>
+                <a:ea typeface="Cambria" panose="02040503050406030204" pitchFamily="18" charset="0"/>
+                <a:cs typeface="Times New Roman" panose="02020603050405020304" pitchFamily="18" charset="0"/>
+              </a:rPr>
+            </a:br>
+            <a:r>
+              <a:rPr lang="en-US" sz="1600" dirty="0">
+                <a:solidFill>
+                  <a:srgbClr val="000000"/>
+                </a:solidFill>
+                <a:effectLst/>
+                <a:latin typeface="Consolas" panose="020B0609020204030204" pitchFamily="49" charset="0"/>
+                <a:ea typeface="Cambria" panose="02040503050406030204" pitchFamily="18" charset="0"/>
+                <a:cs typeface="Times New Roman" panose="02020603050405020304" pitchFamily="18" charset="0"/>
+              </a:rPr>
+              <a:t>## &lt;w c5="AJ0" </a:t>
+            </a:r>
+            <a:r>
+              <a:rPr lang="en-US" sz="1600" dirty="0" err="1">
+                <a:solidFill>
+                  <a:srgbClr val="000000"/>
+                </a:solidFill>
+                <a:effectLst/>
+                <a:latin typeface="Consolas" panose="020B0609020204030204" pitchFamily="49" charset="0"/>
+                <a:ea typeface="Cambria" panose="02040503050406030204" pitchFamily="18" charset="0"/>
+                <a:cs typeface="Times New Roman" panose="02020603050405020304" pitchFamily="18" charset="0"/>
+              </a:rPr>
+              <a:t>hw</a:t>
+            </a:r>
+            <a:r>
+              <a:rPr lang="en-US" sz="1600" dirty="0">
+                <a:solidFill>
+                  <a:srgbClr val="000000"/>
+                </a:solidFill>
+                <a:effectLst/>
+                <a:latin typeface="Consolas" panose="020B0609020204030204" pitchFamily="49" charset="0"/>
+                <a:ea typeface="Cambria" panose="02040503050406030204" pitchFamily="18" charset="0"/>
+                <a:cs typeface="Times New Roman" panose="02020603050405020304" pitchFamily="18" charset="0"/>
+              </a:rPr>
+              <a:t>="laid-back" pos="ADJ"&gt;laid-back &lt;/w&gt; </a:t>
+            </a:r>
+            <a:br>
+              <a:rPr lang="en-US" sz="1600" dirty="0">
+                <a:effectLst/>
+                <a:latin typeface="Cambria" panose="02040503050406030204" pitchFamily="18" charset="0"/>
+                <a:ea typeface="Cambria" panose="02040503050406030204" pitchFamily="18" charset="0"/>
+                <a:cs typeface="Times New Roman" panose="02020603050405020304" pitchFamily="18" charset="0"/>
+              </a:rPr>
+            </a:br>
+            <a:r>
+              <a:rPr lang="en-US" sz="1600" dirty="0">
+                <a:solidFill>
+                  <a:srgbClr val="000000"/>
+                </a:solidFill>
+                <a:effectLst/>
+                <a:latin typeface="Consolas" panose="020B0609020204030204" pitchFamily="49" charset="0"/>
+                <a:ea typeface="Cambria" panose="02040503050406030204" pitchFamily="18" charset="0"/>
+                <a:cs typeface="Times New Roman" panose="02020603050405020304" pitchFamily="18" charset="0"/>
+              </a:rPr>
+              <a:t>## </a:t>
+            </a:r>
+            <a:br>
+              <a:rPr lang="en-US" sz="1600" dirty="0">
+                <a:effectLst/>
+                <a:latin typeface="Cambria" panose="02040503050406030204" pitchFamily="18" charset="0"/>
+                <a:ea typeface="Cambria" panose="02040503050406030204" pitchFamily="18" charset="0"/>
+                <a:cs typeface="Times New Roman" panose="02020603050405020304" pitchFamily="18" charset="0"/>
+              </a:rPr>
+            </a:br>
+            <a:r>
+              <a:rPr lang="en-US" sz="1600" dirty="0">
+                <a:solidFill>
+                  <a:srgbClr val="000000"/>
+                </a:solidFill>
+                <a:effectLst/>
+                <a:latin typeface="Consolas" panose="020B0609020204030204" pitchFamily="49" charset="0"/>
+                <a:ea typeface="Cambria" panose="02040503050406030204" pitchFamily="18" charset="0"/>
+                <a:cs typeface="Times New Roman" panose="02020603050405020304" pitchFamily="18" charset="0"/>
+              </a:rPr>
+              <a:t>## $w</a:t>
+            </a:r>
+            <a:br>
+              <a:rPr lang="en-US" sz="1600" dirty="0">
+                <a:effectLst/>
+                <a:latin typeface="Cambria" panose="02040503050406030204" pitchFamily="18" charset="0"/>
+                <a:ea typeface="Cambria" panose="02040503050406030204" pitchFamily="18" charset="0"/>
+                <a:cs typeface="Times New Roman" panose="02020603050405020304" pitchFamily="18" charset="0"/>
+              </a:rPr>
+            </a:br>
+            <a:r>
+              <a:rPr lang="en-US" sz="1600" dirty="0">
+                <a:solidFill>
+                  <a:srgbClr val="000000"/>
+                </a:solidFill>
+                <a:effectLst/>
+                <a:latin typeface="Consolas" panose="020B0609020204030204" pitchFamily="49" charset="0"/>
+                <a:ea typeface="Cambria" panose="02040503050406030204" pitchFamily="18" charset="0"/>
+                <a:cs typeface="Times New Roman" panose="02020603050405020304" pitchFamily="18" charset="0"/>
+              </a:rPr>
+              <a:t>## &lt;w c5="NN1" </a:t>
+            </a:r>
+            <a:r>
+              <a:rPr lang="en-US" sz="1600" dirty="0" err="1">
+                <a:solidFill>
+                  <a:srgbClr val="000000"/>
+                </a:solidFill>
+                <a:effectLst/>
+                <a:latin typeface="Consolas" panose="020B0609020204030204" pitchFamily="49" charset="0"/>
+                <a:ea typeface="Cambria" panose="02040503050406030204" pitchFamily="18" charset="0"/>
+                <a:cs typeface="Times New Roman" panose="02020603050405020304" pitchFamily="18" charset="0"/>
+              </a:rPr>
+              <a:t>hw</a:t>
+            </a:r>
+            <a:r>
+              <a:rPr lang="en-US" sz="1600" dirty="0">
+                <a:solidFill>
+                  <a:srgbClr val="000000"/>
+                </a:solidFill>
+                <a:effectLst/>
+                <a:latin typeface="Consolas" panose="020B0609020204030204" pitchFamily="49" charset="0"/>
+                <a:ea typeface="Cambria" panose="02040503050406030204" pitchFamily="18" charset="0"/>
+                <a:cs typeface="Times New Roman" panose="02020603050405020304" pitchFamily="18" charset="0"/>
+              </a:rPr>
+              <a:t>="approach" pos="SUBST"&gt;approach&lt;/w&gt; </a:t>
+            </a:r>
+            <a:br>
+              <a:rPr lang="en-US" sz="1600" dirty="0">
+                <a:effectLst/>
+                <a:latin typeface="Cambria" panose="02040503050406030204" pitchFamily="18" charset="0"/>
+                <a:ea typeface="Cambria" panose="02040503050406030204" pitchFamily="18" charset="0"/>
+                <a:cs typeface="Times New Roman" panose="02020603050405020304" pitchFamily="18" charset="0"/>
+              </a:rPr>
+            </a:br>
+            <a:r>
+              <a:rPr lang="en-US" sz="1600" dirty="0">
+                <a:solidFill>
+                  <a:srgbClr val="000000"/>
+                </a:solidFill>
+                <a:effectLst/>
+                <a:latin typeface="Consolas" panose="020B0609020204030204" pitchFamily="49" charset="0"/>
+                <a:ea typeface="Cambria" panose="02040503050406030204" pitchFamily="18" charset="0"/>
+                <a:cs typeface="Times New Roman" panose="02020603050405020304" pitchFamily="18" charset="0"/>
+              </a:rPr>
+              <a:t>## </a:t>
+            </a:r>
+          </a:p>
+          <a:p>
+            <a:r>
+              <a:rPr lang="en-US" sz="1600" dirty="0">
+                <a:solidFill>
+                  <a:srgbClr val="000000"/>
+                </a:solidFill>
+                <a:latin typeface="Consolas" panose="020B0609020204030204" pitchFamily="49" charset="0"/>
+                <a:ea typeface="Cambria" panose="02040503050406030204" pitchFamily="18" charset="0"/>
+                <a:cs typeface="Times New Roman" panose="02020603050405020304" pitchFamily="18" charset="0"/>
+              </a:rPr>
+              <a:t>...</a:t>
+            </a:r>
+            <a:endParaRPr lang="en-US" sz="1600" dirty="0"/>
+          </a:p>
+        </p:txBody>
+      </p:sp>
+    </p:spTree>
+    <p:extLst>
+      <p:ext uri="{BB962C8B-B14F-4D97-AF65-F5344CB8AC3E}">
+        <p14:creationId xmlns:p14="http://schemas.microsoft.com/office/powerpoint/2010/main" val="2964318393"/>
+      </p:ext>
+    </p:extLst>
+  </p:cSld>
+  <p:clrMapOvr>
+    <a:masterClrMapping/>
+  </p:clrMapOvr>
+</p:sld>
+</file>
+
+<file path=ppt/slides/slide29.xml><?xml version="1.0" encoding="utf-8"?>
+<p:sld xmlns:a="http://schemas.openxmlformats.org/drawingml/2006/main" xmlns:r="http://schemas.openxmlformats.org/officeDocument/2006/relationships" xmlns:p="http://schemas.openxmlformats.org/presentationml/2006/main">
+  <p:cSld>
+    <p:spTree>
+      <p:nvGrpSpPr>
+        <p:cNvPr id="1" name=""/>
+        <p:cNvGrpSpPr/>
+        <p:nvPr/>
+      </p:nvGrpSpPr>
+      <p:grpSpPr>
+        <a:xfrm>
+          <a:off x="0" y="0"/>
+          <a:ext cx="0" cy="0"/>
+          <a:chOff x="0" y="0"/>
+          <a:chExt cx="0" cy="0"/>
+        </a:xfrm>
+      </p:grpSpPr>
+      <p:sp>
+        <p:nvSpPr>
+          <p:cNvPr id="2" name="Title 1">
+            <a:extLst>
+              <a:ext uri="{FF2B5EF4-FFF2-40B4-BE49-F238E27FC236}">
+                <a16:creationId xmlns:a16="http://schemas.microsoft.com/office/drawing/2014/main" id="{97EF9B47-70DE-1A4A-89C9-2C27E8DA4E9F}"/>
+              </a:ext>
+            </a:extLst>
+          </p:cNvPr>
+          <p:cNvSpPr>
+            <a:spLocks noGrp="1"/>
+          </p:cNvSpPr>
+          <p:nvPr>
+            <p:ph type="title"/>
+          </p:nvPr>
+        </p:nvSpPr>
+        <p:spPr/>
+        <p:txBody>
+          <a:bodyPr/>
+          <a:lstStyle/>
+          <a:p>
+            <a:r>
+              <a:rPr lang="en-US" dirty="0"/>
+              <a:t>Extracting attribute values</a:t>
+            </a:r>
+          </a:p>
+        </p:txBody>
+      </p:sp>
+      <p:sp>
+        <p:nvSpPr>
+          <p:cNvPr id="3" name="Content Placeholder 2">
+            <a:extLst>
+              <a:ext uri="{FF2B5EF4-FFF2-40B4-BE49-F238E27FC236}">
+                <a16:creationId xmlns:a16="http://schemas.microsoft.com/office/drawing/2014/main" id="{C40A7102-F901-7546-8047-82385F558FA5}"/>
+              </a:ext>
+            </a:extLst>
+          </p:cNvPr>
+          <p:cNvSpPr>
+            <a:spLocks noGrp="1"/>
+          </p:cNvSpPr>
+          <p:nvPr>
+            <p:ph idx="1"/>
+          </p:nvPr>
+        </p:nvSpPr>
+        <p:spPr>
+          <a:xfrm>
+            <a:off x="838200" y="1825625"/>
+            <a:ext cx="10515600" cy="749624"/>
+          </a:xfrm>
+        </p:spPr>
+        <p:txBody>
+          <a:bodyPr/>
+          <a:lstStyle/>
+          <a:p>
+            <a:r>
+              <a:rPr lang="en-US" dirty="0"/>
+              <a:t>But we can only extract one value at a time with these functions </a:t>
+            </a:r>
+            <a:r>
+              <a:rPr lang="en-US" dirty="0">
+                <a:sym typeface="Wingdings" panose="05000000000000000000" pitchFamily="2" charset="2"/>
+              </a:rPr>
+              <a:t></a:t>
+            </a:r>
+            <a:endParaRPr lang="en-US" dirty="0"/>
+          </a:p>
+        </p:txBody>
+      </p:sp>
+      <p:sp>
+        <p:nvSpPr>
+          <p:cNvPr id="5" name="TextBox 4">
+            <a:extLst>
+              <a:ext uri="{FF2B5EF4-FFF2-40B4-BE49-F238E27FC236}">
+                <a16:creationId xmlns:a16="http://schemas.microsoft.com/office/drawing/2014/main" id="{37E2BCB7-2EA6-734C-6196-3B71DCACD753}"/>
+              </a:ext>
+            </a:extLst>
+          </p:cNvPr>
+          <p:cNvSpPr txBox="1"/>
+          <p:nvPr/>
+        </p:nvSpPr>
+        <p:spPr>
+          <a:xfrm>
+            <a:off x="1238639" y="2999441"/>
+            <a:ext cx="9874120" cy="1051570"/>
+          </a:xfrm>
+          <a:prstGeom prst="rect">
+            <a:avLst/>
+          </a:prstGeom>
+          <a:noFill/>
+        </p:spPr>
+        <p:txBody>
+          <a:bodyPr wrap="square">
+            <a:spAutoFit/>
+          </a:bodyPr>
+          <a:lstStyle/>
+          <a:p>
+            <a:pPr marL="0" marR="0" latinLnBrk="1">
+              <a:spcBef>
+                <a:spcPts val="0"/>
+              </a:spcBef>
+              <a:spcAft>
+                <a:spcPts val="1000"/>
+              </a:spcAft>
+            </a:pPr>
+            <a:r>
+              <a:rPr lang="en-US" sz="1800" b="1" dirty="0" err="1">
+                <a:solidFill>
+                  <a:srgbClr val="204A87"/>
+                </a:solidFill>
+                <a:effectLst/>
+                <a:latin typeface="Consolas" panose="020B0609020204030204" pitchFamily="49" charset="0"/>
+                <a:ea typeface="Cambria" panose="02040503050406030204" pitchFamily="18" charset="0"/>
+                <a:cs typeface="Times New Roman" panose="02020603050405020304" pitchFamily="18" charset="0"/>
+              </a:rPr>
+              <a:t>xmlAttrs</a:t>
+            </a:r>
+            <a:r>
+              <a:rPr lang="en-US" sz="1800" dirty="0">
+                <a:solidFill>
+                  <a:srgbClr val="000000"/>
+                </a:solidFill>
+                <a:effectLst/>
+                <a:latin typeface="Consolas" panose="020B0609020204030204" pitchFamily="49" charset="0"/>
+                <a:ea typeface="Cambria" panose="02040503050406030204" pitchFamily="18" charset="0"/>
+                <a:cs typeface="Times New Roman" panose="02020603050405020304" pitchFamily="18" charset="0"/>
+              </a:rPr>
+              <a:t>(words)</a:t>
+            </a:r>
+            <a:endParaRPr lang="en-US" sz="1800" dirty="0">
+              <a:effectLst/>
+              <a:latin typeface="Consolas" panose="020B0609020204030204" pitchFamily="49" charset="0"/>
+              <a:ea typeface="Cambria" panose="02040503050406030204" pitchFamily="18" charset="0"/>
+              <a:cs typeface="Times New Roman" panose="02020603050405020304" pitchFamily="18" charset="0"/>
+            </a:endParaRPr>
+          </a:p>
+          <a:p>
+            <a:pPr marL="0" marR="0" latinLnBrk="1">
+              <a:spcBef>
+                <a:spcPts val="0"/>
+              </a:spcBef>
+              <a:spcAft>
+                <a:spcPts val="1000"/>
+              </a:spcAft>
+            </a:pPr>
+            <a:r>
+              <a:rPr lang="en-US" sz="1800" dirty="0">
+                <a:solidFill>
+                  <a:srgbClr val="000000"/>
+                </a:solidFill>
+                <a:effectLst/>
+                <a:highlight>
+                  <a:srgbClr val="FF0000"/>
+                </a:highlight>
+                <a:latin typeface="Consolas" panose="020B0609020204030204" pitchFamily="49" charset="0"/>
+                <a:ea typeface="Cambria" panose="02040503050406030204" pitchFamily="18" charset="0"/>
+                <a:cs typeface="Times New Roman" panose="02020603050405020304" pitchFamily="18" charset="0"/>
+              </a:rPr>
+              <a:t>## Error in </a:t>
+            </a:r>
+            <a:r>
+              <a:rPr lang="en-US" sz="1800" dirty="0" err="1">
+                <a:solidFill>
+                  <a:srgbClr val="000000"/>
+                </a:solidFill>
+                <a:effectLst/>
+                <a:highlight>
+                  <a:srgbClr val="FF0000"/>
+                </a:highlight>
+                <a:latin typeface="Consolas" panose="020B0609020204030204" pitchFamily="49" charset="0"/>
+                <a:ea typeface="Cambria" panose="02040503050406030204" pitchFamily="18" charset="0"/>
+                <a:cs typeface="Times New Roman" panose="02020603050405020304" pitchFamily="18" charset="0"/>
+              </a:rPr>
+              <a:t>UseMethod</a:t>
+            </a:r>
+            <a:r>
+              <a:rPr lang="en-US" sz="1800" dirty="0">
+                <a:solidFill>
+                  <a:srgbClr val="000000"/>
+                </a:solidFill>
+                <a:effectLst/>
+                <a:highlight>
+                  <a:srgbClr val="FF0000"/>
+                </a:highlight>
+                <a:latin typeface="Consolas" panose="020B0609020204030204" pitchFamily="49" charset="0"/>
+                <a:ea typeface="Cambria" panose="02040503050406030204" pitchFamily="18" charset="0"/>
+                <a:cs typeface="Times New Roman" panose="02020603050405020304" pitchFamily="18" charset="0"/>
+              </a:rPr>
+              <a:t>("</a:t>
+            </a:r>
+            <a:r>
+              <a:rPr lang="en-US" sz="1800" dirty="0" err="1">
+                <a:solidFill>
+                  <a:srgbClr val="000000"/>
+                </a:solidFill>
+                <a:effectLst/>
+                <a:highlight>
+                  <a:srgbClr val="FF0000"/>
+                </a:highlight>
+                <a:latin typeface="Consolas" panose="020B0609020204030204" pitchFamily="49" charset="0"/>
+                <a:ea typeface="Cambria" panose="02040503050406030204" pitchFamily="18" charset="0"/>
+                <a:cs typeface="Times New Roman" panose="02020603050405020304" pitchFamily="18" charset="0"/>
+              </a:rPr>
+              <a:t>xmlAttrs</a:t>
+            </a:r>
+            <a:r>
+              <a:rPr lang="en-US" sz="1800" dirty="0">
+                <a:solidFill>
+                  <a:srgbClr val="000000"/>
+                </a:solidFill>
+                <a:effectLst/>
+                <a:highlight>
+                  <a:srgbClr val="FF0000"/>
+                </a:highlight>
+                <a:latin typeface="Consolas" panose="020B0609020204030204" pitchFamily="49" charset="0"/>
+                <a:ea typeface="Cambria" panose="02040503050406030204" pitchFamily="18" charset="0"/>
+                <a:cs typeface="Times New Roman" panose="02020603050405020304" pitchFamily="18" charset="0"/>
+              </a:rPr>
+              <a:t>", node): no applicable method for '</a:t>
+            </a:r>
+            <a:r>
+              <a:rPr lang="en-US" sz="1800" dirty="0" err="1">
+                <a:solidFill>
+                  <a:srgbClr val="000000"/>
+                </a:solidFill>
+                <a:effectLst/>
+                <a:highlight>
+                  <a:srgbClr val="FF0000"/>
+                </a:highlight>
+                <a:latin typeface="Consolas" panose="020B0609020204030204" pitchFamily="49" charset="0"/>
+                <a:ea typeface="Cambria" panose="02040503050406030204" pitchFamily="18" charset="0"/>
+                <a:cs typeface="Times New Roman" panose="02020603050405020304" pitchFamily="18" charset="0"/>
+              </a:rPr>
+              <a:t>xmlAttrs</a:t>
+            </a:r>
+            <a:r>
+              <a:rPr lang="en-US" sz="1800" dirty="0">
+                <a:solidFill>
+                  <a:srgbClr val="000000"/>
+                </a:solidFill>
+                <a:effectLst/>
+                <a:highlight>
+                  <a:srgbClr val="FF0000"/>
+                </a:highlight>
+                <a:latin typeface="Consolas" panose="020B0609020204030204" pitchFamily="49" charset="0"/>
+                <a:ea typeface="Cambria" panose="02040503050406030204" pitchFamily="18" charset="0"/>
+                <a:cs typeface="Times New Roman" panose="02020603050405020304" pitchFamily="18" charset="0"/>
+              </a:rPr>
+              <a:t>' applied to an object of class "c('</a:t>
+            </a:r>
+            <a:r>
+              <a:rPr lang="en-US" sz="1800" dirty="0" err="1">
+                <a:solidFill>
+                  <a:srgbClr val="000000"/>
+                </a:solidFill>
+                <a:effectLst/>
+                <a:highlight>
+                  <a:srgbClr val="FF0000"/>
+                </a:highlight>
+                <a:latin typeface="Consolas" panose="020B0609020204030204" pitchFamily="49" charset="0"/>
+                <a:ea typeface="Cambria" panose="02040503050406030204" pitchFamily="18" charset="0"/>
+                <a:cs typeface="Times New Roman" panose="02020603050405020304" pitchFamily="18" charset="0"/>
+              </a:rPr>
+              <a:t>XMLInternalNodeList</a:t>
+            </a:r>
+            <a:r>
+              <a:rPr lang="en-US" sz="1800" dirty="0">
+                <a:solidFill>
+                  <a:srgbClr val="000000"/>
+                </a:solidFill>
+                <a:effectLst/>
+                <a:highlight>
+                  <a:srgbClr val="FF0000"/>
+                </a:highlight>
+                <a:latin typeface="Consolas" panose="020B0609020204030204" pitchFamily="49" charset="0"/>
+                <a:ea typeface="Cambria" panose="02040503050406030204" pitchFamily="18" charset="0"/>
+                <a:cs typeface="Times New Roman" panose="02020603050405020304" pitchFamily="18" charset="0"/>
+              </a:rPr>
+              <a:t>', '</a:t>
+            </a:r>
+            <a:r>
+              <a:rPr lang="en-US" sz="1800" dirty="0" err="1">
+                <a:solidFill>
+                  <a:srgbClr val="000000"/>
+                </a:solidFill>
+                <a:effectLst/>
+                <a:highlight>
+                  <a:srgbClr val="FF0000"/>
+                </a:highlight>
+                <a:latin typeface="Consolas" panose="020B0609020204030204" pitchFamily="49" charset="0"/>
+                <a:ea typeface="Cambria" panose="02040503050406030204" pitchFamily="18" charset="0"/>
+                <a:cs typeface="Times New Roman" panose="02020603050405020304" pitchFamily="18" charset="0"/>
+              </a:rPr>
+              <a:t>XMLNodeList</a:t>
+            </a:r>
+            <a:r>
+              <a:rPr lang="en-US" sz="1800" dirty="0">
+                <a:solidFill>
+                  <a:srgbClr val="000000"/>
+                </a:solidFill>
+                <a:effectLst/>
+                <a:highlight>
+                  <a:srgbClr val="FF0000"/>
+                </a:highlight>
+                <a:latin typeface="Consolas" panose="020B0609020204030204" pitchFamily="49" charset="0"/>
+                <a:ea typeface="Cambria" panose="02040503050406030204" pitchFamily="18" charset="0"/>
+                <a:cs typeface="Times New Roman" panose="02020603050405020304" pitchFamily="18" charset="0"/>
+              </a:rPr>
+              <a:t>')"</a:t>
+            </a:r>
+            <a:endParaRPr lang="en-US" sz="1800" dirty="0">
+              <a:effectLst/>
+              <a:highlight>
+                <a:srgbClr val="FF0000"/>
+              </a:highlight>
+              <a:latin typeface="Consolas" panose="020B0609020204030204" pitchFamily="49" charset="0"/>
+              <a:ea typeface="Cambria" panose="02040503050406030204" pitchFamily="18" charset="0"/>
+              <a:cs typeface="Times New Roman" panose="02020603050405020304" pitchFamily="18" charset="0"/>
+            </a:endParaRPr>
+          </a:p>
+        </p:txBody>
+      </p:sp>
+    </p:spTree>
+    <p:extLst>
+      <p:ext uri="{BB962C8B-B14F-4D97-AF65-F5344CB8AC3E}">
+        <p14:creationId xmlns:p14="http://schemas.microsoft.com/office/powerpoint/2010/main" val="128856579"/>
       </p:ext>
     </p:extLst>
   </p:cSld>
@@ -13340,6 +16049,460 @@
     <p:extLst>
       <p:ext uri="{BB962C8B-B14F-4D97-AF65-F5344CB8AC3E}">
         <p14:creationId xmlns:p14="http://schemas.microsoft.com/office/powerpoint/2010/main" val="4034512630"/>
+      </p:ext>
+    </p:extLst>
+  </p:cSld>
+  <p:clrMapOvr>
+    <a:masterClrMapping/>
+  </p:clrMapOvr>
+</p:sld>
+</file>
+
+<file path=ppt/slides/slide30.xml><?xml version="1.0" encoding="utf-8"?>
+<p:sld xmlns:a="http://schemas.openxmlformats.org/drawingml/2006/main" xmlns:r="http://schemas.openxmlformats.org/officeDocument/2006/relationships" xmlns:p="http://schemas.openxmlformats.org/presentationml/2006/main">
+  <p:cSld>
+    <p:spTree>
+      <p:nvGrpSpPr>
+        <p:cNvPr id="1" name=""/>
+        <p:cNvGrpSpPr/>
+        <p:nvPr/>
+      </p:nvGrpSpPr>
+      <p:grpSpPr>
+        <a:xfrm>
+          <a:off x="0" y="0"/>
+          <a:ext cx="0" cy="0"/>
+          <a:chOff x="0" y="0"/>
+          <a:chExt cx="0" cy="0"/>
+        </a:xfrm>
+      </p:grpSpPr>
+      <p:sp>
+        <p:nvSpPr>
+          <p:cNvPr id="2" name="Title 1">
+            <a:extLst>
+              <a:ext uri="{FF2B5EF4-FFF2-40B4-BE49-F238E27FC236}">
+                <a16:creationId xmlns:a16="http://schemas.microsoft.com/office/drawing/2014/main" id="{FCA0C766-F976-3361-14BA-335F847444DD}"/>
+              </a:ext>
+            </a:extLst>
+          </p:cNvPr>
+          <p:cNvSpPr>
+            <a:spLocks noGrp="1"/>
+          </p:cNvSpPr>
+          <p:nvPr>
+            <p:ph type="title"/>
+          </p:nvPr>
+        </p:nvSpPr>
+        <p:spPr/>
+        <p:txBody>
+          <a:bodyPr/>
+          <a:lstStyle/>
+          <a:p>
+            <a:r>
+              <a:rPr lang="en-US" dirty="0"/>
+              <a:t>Recursive functions?</a:t>
+            </a:r>
+          </a:p>
+        </p:txBody>
+      </p:sp>
+      <p:sp>
+        <p:nvSpPr>
+          <p:cNvPr id="3" name="Content Placeholder 2">
+            <a:extLst>
+              <a:ext uri="{FF2B5EF4-FFF2-40B4-BE49-F238E27FC236}">
+                <a16:creationId xmlns:a16="http://schemas.microsoft.com/office/drawing/2014/main" id="{9E762E72-B2F3-492A-BD2F-4A1E2C2E7301}"/>
+              </a:ext>
+            </a:extLst>
+          </p:cNvPr>
+          <p:cNvSpPr>
+            <a:spLocks noGrp="1"/>
+          </p:cNvSpPr>
+          <p:nvPr>
+            <p:ph idx="1"/>
+          </p:nvPr>
+        </p:nvSpPr>
+        <p:spPr/>
+        <p:txBody>
+          <a:bodyPr/>
+          <a:lstStyle/>
+          <a:p>
+            <a:r>
+              <a:rPr lang="en-US" dirty="0"/>
+              <a:t>With the functions we have now we can climb up and down XML hierarchies and extract information.</a:t>
+            </a:r>
+          </a:p>
+          <a:p>
+            <a:endParaRPr lang="en-US" dirty="0"/>
+          </a:p>
+          <a:p>
+            <a:r>
+              <a:rPr lang="en-US" dirty="0"/>
+              <a:t>But what we really want is a way of extracting information into a vectors and </a:t>
+            </a:r>
+            <a:r>
+              <a:rPr lang="en-US" dirty="0" err="1"/>
+              <a:t>dataframes</a:t>
+            </a:r>
+            <a:r>
+              <a:rPr lang="en-US" dirty="0"/>
+              <a:t> so we can run statistical analysis.</a:t>
+            </a:r>
+          </a:p>
+          <a:p>
+            <a:endParaRPr lang="en-US" dirty="0"/>
+          </a:p>
+          <a:p>
+            <a:r>
+              <a:rPr lang="en-US" dirty="0"/>
+              <a:t>We want to recursively traverse (or ‘loop’ through) the hierarchy extracting attributes as columns in a </a:t>
+            </a:r>
+            <a:r>
+              <a:rPr lang="en-US" dirty="0" err="1"/>
+              <a:t>dataframe</a:t>
+            </a:r>
+            <a:endParaRPr lang="en-US" dirty="0"/>
+          </a:p>
+        </p:txBody>
+      </p:sp>
+      <p:sp>
+        <p:nvSpPr>
+          <p:cNvPr id="4" name="TextBox 3">
+            <a:extLst>
+              <a:ext uri="{FF2B5EF4-FFF2-40B4-BE49-F238E27FC236}">
+                <a16:creationId xmlns:a16="http://schemas.microsoft.com/office/drawing/2014/main" id="{8905E6F2-6DB3-F9F2-096F-4588FF0AAF6D}"/>
+              </a:ext>
+            </a:extLst>
+          </p:cNvPr>
+          <p:cNvSpPr txBox="1"/>
+          <p:nvPr/>
+        </p:nvSpPr>
+        <p:spPr>
+          <a:xfrm>
+            <a:off x="1162877" y="6003235"/>
+            <a:ext cx="9680713" cy="646331"/>
+          </a:xfrm>
+          <a:prstGeom prst="rect">
+            <a:avLst/>
+          </a:prstGeom>
+          <a:noFill/>
+        </p:spPr>
+        <p:txBody>
+          <a:bodyPr wrap="square" rtlCol="0">
+            <a:spAutoFit/>
+          </a:bodyPr>
+          <a:lstStyle/>
+          <a:p>
+            <a:r>
+              <a:rPr lang="en-US" dirty="0"/>
+              <a:t>Nolan, Deborah &amp; Duncan Temple Lang. 2014. XML and Web Technologies for Data Sciences with R. Springer.</a:t>
+            </a:r>
+          </a:p>
+        </p:txBody>
+      </p:sp>
+    </p:spTree>
+    <p:extLst>
+      <p:ext uri="{BB962C8B-B14F-4D97-AF65-F5344CB8AC3E}">
+        <p14:creationId xmlns:p14="http://schemas.microsoft.com/office/powerpoint/2010/main" val="863190032"/>
+      </p:ext>
+    </p:extLst>
+  </p:cSld>
+  <p:clrMapOvr>
+    <a:masterClrMapping/>
+  </p:clrMapOvr>
+</p:sld>
+</file>
+
+<file path=ppt/slides/slide31.xml><?xml version="1.0" encoding="utf-8"?>
+<p:sld xmlns:a="http://schemas.openxmlformats.org/drawingml/2006/main" xmlns:r="http://schemas.openxmlformats.org/officeDocument/2006/relationships" xmlns:p="http://schemas.openxmlformats.org/presentationml/2006/main">
+  <p:cSld>
+    <p:spTree>
+      <p:nvGrpSpPr>
+        <p:cNvPr id="1" name=""/>
+        <p:cNvGrpSpPr/>
+        <p:nvPr/>
+      </p:nvGrpSpPr>
+      <p:grpSpPr>
+        <a:xfrm>
+          <a:off x="0" y="0"/>
+          <a:ext cx="0" cy="0"/>
+          <a:chOff x="0" y="0"/>
+          <a:chExt cx="0" cy="0"/>
+        </a:xfrm>
+      </p:grpSpPr>
+      <p:sp>
+        <p:nvSpPr>
+          <p:cNvPr id="2" name="Title 1">
+            <a:extLst>
+              <a:ext uri="{FF2B5EF4-FFF2-40B4-BE49-F238E27FC236}">
+                <a16:creationId xmlns:a16="http://schemas.microsoft.com/office/drawing/2014/main" id="{66EA932D-14A3-75FB-B418-8FEA1DB3DBA1}"/>
+              </a:ext>
+            </a:extLst>
+          </p:cNvPr>
+          <p:cNvSpPr>
+            <a:spLocks noGrp="1"/>
+          </p:cNvSpPr>
+          <p:nvPr>
+            <p:ph type="title"/>
+          </p:nvPr>
+        </p:nvSpPr>
+        <p:spPr/>
+        <p:txBody>
+          <a:bodyPr/>
+          <a:lstStyle/>
+          <a:p>
+            <a:r>
+              <a:rPr lang="en-US" dirty="0"/>
+              <a:t>Apply functions</a:t>
+            </a:r>
+          </a:p>
+        </p:txBody>
+      </p:sp>
+      <p:sp>
+        <p:nvSpPr>
+          <p:cNvPr id="3" name="Content Placeholder 2">
+            <a:extLst>
+              <a:ext uri="{FF2B5EF4-FFF2-40B4-BE49-F238E27FC236}">
+                <a16:creationId xmlns:a16="http://schemas.microsoft.com/office/drawing/2014/main" id="{94B76480-2B6A-D720-ED41-7FA879C2064A}"/>
+              </a:ext>
+            </a:extLst>
+          </p:cNvPr>
+          <p:cNvSpPr>
+            <a:spLocks noGrp="1"/>
+          </p:cNvSpPr>
+          <p:nvPr>
+            <p:ph idx="1"/>
+          </p:nvPr>
+        </p:nvSpPr>
+        <p:spPr/>
+        <p:txBody>
+          <a:bodyPr/>
+          <a:lstStyle/>
+          <a:p>
+            <a:r>
+              <a:rPr lang="en-US" b="1" dirty="0" err="1">
+                <a:solidFill>
+                  <a:schemeClr val="accent5">
+                    <a:lumMod val="75000"/>
+                  </a:schemeClr>
+                </a:solidFill>
+              </a:rPr>
+              <a:t>lapply</a:t>
+            </a:r>
+            <a:r>
+              <a:rPr lang="en-US" b="1" dirty="0">
+                <a:solidFill>
+                  <a:schemeClr val="accent5">
+                    <a:lumMod val="75000"/>
+                  </a:schemeClr>
+                </a:solidFill>
+              </a:rPr>
+              <a:t>(): </a:t>
+            </a:r>
+            <a:r>
+              <a:rPr lang="en-US" dirty="0"/>
+              <a:t>apply some function to each element of a list and output a list.</a:t>
+            </a:r>
+          </a:p>
+          <a:p>
+            <a:endParaRPr lang="en-US" dirty="0"/>
+          </a:p>
+          <a:p>
+            <a:r>
+              <a:rPr lang="en-US" b="1" dirty="0" err="1">
+                <a:solidFill>
+                  <a:schemeClr val="accent5">
+                    <a:lumMod val="75000"/>
+                  </a:schemeClr>
+                </a:solidFill>
+              </a:rPr>
+              <a:t>sapply</a:t>
+            </a:r>
+            <a:r>
+              <a:rPr lang="en-US" b="1" dirty="0">
+                <a:solidFill>
+                  <a:schemeClr val="accent5">
+                    <a:lumMod val="75000"/>
+                  </a:schemeClr>
+                </a:solidFill>
+              </a:rPr>
+              <a:t>(): </a:t>
+            </a:r>
+            <a:r>
+              <a:rPr lang="en-US" dirty="0"/>
+              <a:t>apply some function to each element of a list and output a vector or matrix</a:t>
+            </a:r>
+          </a:p>
+          <a:p>
+            <a:pPr lvl="1"/>
+            <a:r>
+              <a:rPr lang="en-US" dirty="0"/>
+              <a:t>stands for ‘simplify apply’</a:t>
+            </a:r>
+          </a:p>
+        </p:txBody>
+      </p:sp>
+    </p:spTree>
+    <p:extLst>
+      <p:ext uri="{BB962C8B-B14F-4D97-AF65-F5344CB8AC3E}">
+        <p14:creationId xmlns:p14="http://schemas.microsoft.com/office/powerpoint/2010/main" val="511130496"/>
+      </p:ext>
+    </p:extLst>
+  </p:cSld>
+  <p:clrMapOvr>
+    <a:masterClrMapping/>
+  </p:clrMapOvr>
+</p:sld>
+</file>
+
+<file path=ppt/slides/slide32.xml><?xml version="1.0" encoding="utf-8"?>
+<p:sld xmlns:a="http://schemas.openxmlformats.org/drawingml/2006/main" xmlns:r="http://schemas.openxmlformats.org/officeDocument/2006/relationships" xmlns:p="http://schemas.openxmlformats.org/presentationml/2006/main">
+  <p:cSld>
+    <p:spTree>
+      <p:nvGrpSpPr>
+        <p:cNvPr id="1" name=""/>
+        <p:cNvGrpSpPr/>
+        <p:nvPr/>
+      </p:nvGrpSpPr>
+      <p:grpSpPr>
+        <a:xfrm>
+          <a:off x="0" y="0"/>
+          <a:ext cx="0" cy="0"/>
+          <a:chOff x="0" y="0"/>
+          <a:chExt cx="0" cy="0"/>
+        </a:xfrm>
+      </p:grpSpPr>
+      <p:sp>
+        <p:nvSpPr>
+          <p:cNvPr id="2" name="Title 1">
+            <a:extLst>
+              <a:ext uri="{FF2B5EF4-FFF2-40B4-BE49-F238E27FC236}">
+                <a16:creationId xmlns:a16="http://schemas.microsoft.com/office/drawing/2014/main" id="{4F8DB700-CB77-54B8-3C4E-66EA0B98BE8F}"/>
+              </a:ext>
+            </a:extLst>
+          </p:cNvPr>
+          <p:cNvSpPr>
+            <a:spLocks noGrp="1"/>
+          </p:cNvSpPr>
+          <p:nvPr>
+            <p:ph type="title"/>
+          </p:nvPr>
+        </p:nvSpPr>
+        <p:spPr/>
+        <p:txBody>
+          <a:bodyPr/>
+          <a:lstStyle/>
+          <a:p>
+            <a:endParaRPr lang="en-US" dirty="0"/>
+          </a:p>
+        </p:txBody>
+      </p:sp>
+      <p:sp>
+        <p:nvSpPr>
+          <p:cNvPr id="3" name="Content Placeholder 2">
+            <a:extLst>
+              <a:ext uri="{FF2B5EF4-FFF2-40B4-BE49-F238E27FC236}">
+                <a16:creationId xmlns:a16="http://schemas.microsoft.com/office/drawing/2014/main" id="{B9EC8D55-ACFF-809D-F328-6EC2CD7BA429}"/>
+              </a:ext>
+            </a:extLst>
+          </p:cNvPr>
+          <p:cNvSpPr>
+            <a:spLocks noGrp="1"/>
+          </p:cNvSpPr>
+          <p:nvPr>
+            <p:ph idx="1"/>
+          </p:nvPr>
+        </p:nvSpPr>
+        <p:spPr/>
+        <p:txBody>
+          <a:bodyPr/>
+          <a:lstStyle/>
+          <a:p>
+            <a:endParaRPr lang="en-US" dirty="0"/>
+          </a:p>
+        </p:txBody>
+      </p:sp>
+    </p:spTree>
+    <p:extLst>
+      <p:ext uri="{BB962C8B-B14F-4D97-AF65-F5344CB8AC3E}">
+        <p14:creationId xmlns:p14="http://schemas.microsoft.com/office/powerpoint/2010/main" val="1769462493"/>
+      </p:ext>
+    </p:extLst>
+  </p:cSld>
+  <p:clrMapOvr>
+    <a:masterClrMapping/>
+  </p:clrMapOvr>
+</p:sld>
+</file>
+
+<file path=ppt/slides/slide33.xml><?xml version="1.0" encoding="utf-8"?>
+<p:sld xmlns:a="http://schemas.openxmlformats.org/drawingml/2006/main" xmlns:r="http://schemas.openxmlformats.org/officeDocument/2006/relationships" xmlns:p="http://schemas.openxmlformats.org/presentationml/2006/main">
+  <p:cSld>
+    <p:spTree>
+      <p:nvGrpSpPr>
+        <p:cNvPr id="1" name=""/>
+        <p:cNvGrpSpPr/>
+        <p:nvPr/>
+      </p:nvGrpSpPr>
+      <p:grpSpPr>
+        <a:xfrm>
+          <a:off x="0" y="0"/>
+          <a:ext cx="0" cy="0"/>
+          <a:chOff x="0" y="0"/>
+          <a:chExt cx="0" cy="0"/>
+        </a:xfrm>
+      </p:grpSpPr>
+      <p:sp>
+        <p:nvSpPr>
+          <p:cNvPr id="2" name="Title 1">
+            <a:extLst>
+              <a:ext uri="{FF2B5EF4-FFF2-40B4-BE49-F238E27FC236}">
+                <a16:creationId xmlns:a16="http://schemas.microsoft.com/office/drawing/2014/main" id="{215531A7-2A87-415F-2941-6D68732FFF78}"/>
+              </a:ext>
+            </a:extLst>
+          </p:cNvPr>
+          <p:cNvSpPr>
+            <a:spLocks noGrp="1"/>
+          </p:cNvSpPr>
+          <p:nvPr>
+            <p:ph type="title"/>
+          </p:nvPr>
+        </p:nvSpPr>
+        <p:spPr/>
+        <p:txBody>
+          <a:bodyPr/>
+          <a:lstStyle/>
+          <a:p>
+            <a:endParaRPr lang="en-US"/>
+          </a:p>
+        </p:txBody>
+      </p:sp>
+      <p:sp>
+        <p:nvSpPr>
+          <p:cNvPr id="3" name="Content Placeholder 2">
+            <a:extLst>
+              <a:ext uri="{FF2B5EF4-FFF2-40B4-BE49-F238E27FC236}">
+                <a16:creationId xmlns:a16="http://schemas.microsoft.com/office/drawing/2014/main" id="{40415250-9711-D1DD-79DE-3D91A1C69AF6}"/>
+              </a:ext>
+            </a:extLst>
+          </p:cNvPr>
+          <p:cNvSpPr>
+            <a:spLocks noGrp="1"/>
+          </p:cNvSpPr>
+          <p:nvPr>
+            <p:ph idx="1"/>
+          </p:nvPr>
+        </p:nvSpPr>
+        <p:spPr/>
+        <p:txBody>
+          <a:bodyPr/>
+          <a:lstStyle/>
+          <a:p>
+            <a:endParaRPr lang="en-US"/>
+          </a:p>
+        </p:txBody>
+      </p:sp>
+    </p:spTree>
+    <p:extLst>
+      <p:ext uri="{BB962C8B-B14F-4D97-AF65-F5344CB8AC3E}">
+        <p14:creationId xmlns:p14="http://schemas.microsoft.com/office/powerpoint/2010/main" val="2546413028"/>
       </p:ext>
     </p:extLst>
   </p:cSld>
